--- a/netconf2014-sayedha-deployment.pptx
+++ b/netconf2014-sayedha-deployment.pptx
@@ -7,6 +7,7 @@
   <p:sldIdLst>
     <p:sldId id="256" r:id="rId2"/>
     <p:sldId id="257" r:id="rId3"/>
+    <p:sldId id="258" r:id="rId4"/>
   </p:sldIdLst>
   <p:sldSz cx="12192000" cy="6858000"/>
   <p:notesSz cx="6858000" cy="9144000"/>
@@ -105,6 +106,11 @@
       </a:defRPr>
     </a:lvl9pPr>
   </p:defaultTextStyle>
+  <p:extLst>
+    <p:ext uri="{EFAFB233-063F-42B5-8137-9DF3F51BA10A}">
+      <p15:sldGuideLst xmlns:p15="http://schemas.microsoft.com/office/powerpoint/2012/main"/>
+    </p:ext>
+  </p:extLst>
 </p:presentation>
 </file>
 
@@ -3165,6 +3171,126 @@
 </p:sld>
 </file>
 
+<file path=ppt/slides/slide3.xml><?xml version="1.0" encoding="utf-8"?>
+<p:sld xmlns:a="http://schemas.openxmlformats.org/drawingml/2006/main" xmlns:r="http://schemas.openxmlformats.org/officeDocument/2006/relationships" xmlns:p="http://schemas.openxmlformats.org/presentationml/2006/main">
+  <p:cSld>
+    <p:spTree>
+      <p:nvGrpSpPr>
+        <p:cNvPr id="1" name=""/>
+        <p:cNvGrpSpPr/>
+        <p:nvPr/>
+      </p:nvGrpSpPr>
+      <p:grpSpPr>
+        <a:xfrm>
+          <a:off x="0" y="0"/>
+          <a:ext cx="0" cy="0"/>
+          <a:chOff x="0" y="0"/>
+          <a:chExt cx="0" cy="0"/>
+        </a:xfrm>
+      </p:grpSpPr>
+      <p:pic>
+        <p:nvPicPr>
+          <p:cNvPr id="4" name="Picture 3"/>
+          <p:cNvPicPr>
+            <a:picLocks noChangeAspect="1"/>
+          </p:cNvPicPr>
+          <p:nvPr/>
+        </p:nvPicPr>
+        <p:blipFill>
+          <a:blip r:embed="rId2">
+            <a:extLst>
+              <a:ext uri="{28A0092B-C50C-407E-A947-70E740481C1C}">
+                <a14:useLocalDpi xmlns:a14="http://schemas.microsoft.com/office/drawing/2010/main" val="0"/>
+              </a:ext>
+            </a:extLst>
+          </a:blip>
+          <a:stretch>
+            <a:fillRect/>
+          </a:stretch>
+        </p:blipFill>
+        <p:spPr>
+          <a:xfrm>
+            <a:off x="7024576" y="2483661"/>
+            <a:ext cx="4877223" cy="1152244"/>
+          </a:xfrm>
+          <a:prstGeom prst="rect">
+            <a:avLst/>
+          </a:prstGeom>
+        </p:spPr>
+      </p:pic>
+      <p:pic>
+        <p:nvPicPr>
+          <p:cNvPr id="5" name="Picture 4"/>
+          <p:cNvPicPr>
+            <a:picLocks noChangeAspect="1"/>
+          </p:cNvPicPr>
+          <p:nvPr/>
+        </p:nvPicPr>
+        <p:blipFill>
+          <a:blip r:embed="rId3">
+            <a:extLst>
+              <a:ext uri="{28A0092B-C50C-407E-A947-70E740481C1C}">
+                <a14:useLocalDpi xmlns:a14="http://schemas.microsoft.com/office/drawing/2010/main" val="0"/>
+              </a:ext>
+            </a:extLst>
+          </a:blip>
+          <a:stretch>
+            <a:fillRect/>
+          </a:stretch>
+        </p:blipFill>
+        <p:spPr>
+          <a:xfrm>
+            <a:off x="1060872" y="4260915"/>
+            <a:ext cx="4878049" cy="1951220"/>
+          </a:xfrm>
+          <a:prstGeom prst="rect">
+            <a:avLst/>
+          </a:prstGeom>
+        </p:spPr>
+      </p:pic>
+      <p:pic>
+        <p:nvPicPr>
+          <p:cNvPr id="6" name="Picture 5"/>
+          <p:cNvPicPr>
+            <a:picLocks noChangeAspect="1"/>
+          </p:cNvPicPr>
+          <p:nvPr/>
+        </p:nvPicPr>
+        <p:blipFill>
+          <a:blip r:embed="rId4">
+            <a:extLst>
+              <a:ext uri="{28A0092B-C50C-407E-A947-70E740481C1C}">
+                <a14:useLocalDpi xmlns:a14="http://schemas.microsoft.com/office/drawing/2010/main" val="0"/>
+              </a:ext>
+            </a:extLst>
+          </a:blip>
+          <a:stretch>
+            <a:fillRect/>
+          </a:stretch>
+        </p:blipFill>
+        <p:spPr>
+          <a:xfrm>
+            <a:off x="608995" y="606138"/>
+            <a:ext cx="4877223" cy="597460"/>
+          </a:xfrm>
+          <a:prstGeom prst="rect">
+            <a:avLst/>
+          </a:prstGeom>
+        </p:spPr>
+      </p:pic>
+    </p:spTree>
+    <p:extLst>
+      <p:ext uri="{BB962C8B-B14F-4D97-AF65-F5344CB8AC3E}">
+        <p14:creationId xmlns:p14="http://schemas.microsoft.com/office/powerpoint/2010/main" val="803648027"/>
+      </p:ext>
+    </p:extLst>
+  </p:cSld>
+  <p:clrMapOvr>
+    <a:masterClrMapping/>
+  </p:clrMapOvr>
+</p:sld>
+</file>
+
 <file path=ppt/theme/theme1.xml><?xml version="1.0" encoding="utf-8"?>
 <a:theme xmlns:a="http://schemas.openxmlformats.org/drawingml/2006/main" name="Office Theme">
   <a:themeElements>

--- a/netconf2014-sayedha-deployment.pptx
+++ b/netconf2014-sayedha-deployment.pptx
@@ -3210,8 +3210,8 @@
         </p:blipFill>
         <p:spPr>
           <a:xfrm>
-            <a:off x="7024576" y="2483661"/>
-            <a:ext cx="4877223" cy="1152244"/>
+            <a:off x="608995" y="2445953"/>
+            <a:ext cx="6565126" cy="1551011"/>
           </a:xfrm>
           <a:prstGeom prst="rect">
             <a:avLst/>
@@ -3220,7 +3220,7 @@
       </p:pic>
       <p:pic>
         <p:nvPicPr>
-          <p:cNvPr id="5" name="Picture 4"/>
+          <p:cNvPr id="6" name="Picture 5"/>
           <p:cNvPicPr>
             <a:picLocks noChangeAspect="1"/>
           </p:cNvPicPr>
@@ -3240,38 +3240,8 @@
         </p:blipFill>
         <p:spPr>
           <a:xfrm>
-            <a:off x="1060872" y="4260915"/>
-            <a:ext cx="4878049" cy="1951220"/>
-          </a:xfrm>
-          <a:prstGeom prst="rect">
-            <a:avLst/>
-          </a:prstGeom>
-        </p:spPr>
-      </p:pic>
-      <p:pic>
-        <p:nvPicPr>
-          <p:cNvPr id="6" name="Picture 5"/>
-          <p:cNvPicPr>
-            <a:picLocks noChangeAspect="1"/>
-          </p:cNvPicPr>
-          <p:nvPr/>
-        </p:nvPicPr>
-        <p:blipFill>
-          <a:blip r:embed="rId4">
-            <a:extLst>
-              <a:ext uri="{28A0092B-C50C-407E-A947-70E740481C1C}">
-                <a14:useLocalDpi xmlns:a14="http://schemas.microsoft.com/office/drawing/2010/main" val="0"/>
-              </a:ext>
-            </a:extLst>
-          </a:blip>
-          <a:stretch>
-            <a:fillRect/>
-          </a:stretch>
-        </p:blipFill>
-        <p:spPr>
-          <a:xfrm>
             <a:off x="608995" y="606138"/>
-            <a:ext cx="4877223" cy="597460"/>
+            <a:ext cx="8057075" cy="986992"/>
           </a:xfrm>
           <a:prstGeom prst="rect">
             <a:avLst/>

--- a/netconf2014-sayedha-deployment.pptx
+++ b/netconf2014-sayedha-deployment.pptx
@@ -8,6 +8,7 @@
     <p:sldId id="256" r:id="rId2"/>
     <p:sldId id="257" r:id="rId3"/>
     <p:sldId id="258" r:id="rId4"/>
+    <p:sldId id="259" r:id="rId5"/>
   </p:sldIdLst>
   <p:sldSz cx="12192000" cy="6858000"/>
   <p:notesSz cx="6858000" cy="9144000"/>
@@ -114,6 +115,2654 @@
 </p:presentation>
 </file>
 
+<file path=ppt/diagrams/colors1.xml><?xml version="1.0" encoding="utf-8"?>
+<dgm:colorsDef xmlns:dgm="http://schemas.openxmlformats.org/drawingml/2006/diagram" xmlns:a="http://schemas.openxmlformats.org/drawingml/2006/main" uniqueId="urn:microsoft.com/office/officeart/2005/8/colors/accent1_2">
+  <dgm:title val=""/>
+  <dgm:desc val=""/>
+  <dgm:catLst>
+    <dgm:cat type="accent1" pri="11200"/>
+  </dgm:catLst>
+  <dgm:styleLbl name="node0">
+    <dgm:fillClrLst meth="repeat">
+      <a:schemeClr val="accent1"/>
+    </dgm:fillClrLst>
+    <dgm:linClrLst meth="repeat">
+      <a:schemeClr val="lt1"/>
+    </dgm:linClrLst>
+    <dgm:effectClrLst/>
+    <dgm:txLinClrLst/>
+    <dgm:txFillClrLst/>
+    <dgm:txEffectClrLst/>
+  </dgm:styleLbl>
+  <dgm:styleLbl name="alignNode1">
+    <dgm:fillClrLst meth="repeat">
+      <a:schemeClr val="accent1"/>
+    </dgm:fillClrLst>
+    <dgm:linClrLst meth="repeat">
+      <a:schemeClr val="accent1"/>
+    </dgm:linClrLst>
+    <dgm:effectClrLst/>
+    <dgm:txLinClrLst/>
+    <dgm:txFillClrLst/>
+    <dgm:txEffectClrLst/>
+  </dgm:styleLbl>
+  <dgm:styleLbl name="node1">
+    <dgm:fillClrLst meth="repeat">
+      <a:schemeClr val="accent1"/>
+    </dgm:fillClrLst>
+    <dgm:linClrLst meth="repeat">
+      <a:schemeClr val="lt1"/>
+    </dgm:linClrLst>
+    <dgm:effectClrLst/>
+    <dgm:txLinClrLst/>
+    <dgm:txFillClrLst/>
+    <dgm:txEffectClrLst/>
+  </dgm:styleLbl>
+  <dgm:styleLbl name="lnNode1">
+    <dgm:fillClrLst meth="repeat">
+      <a:schemeClr val="accent1"/>
+    </dgm:fillClrLst>
+    <dgm:linClrLst meth="repeat">
+      <a:schemeClr val="lt1"/>
+    </dgm:linClrLst>
+    <dgm:effectClrLst/>
+    <dgm:txLinClrLst/>
+    <dgm:txFillClrLst/>
+    <dgm:txEffectClrLst/>
+  </dgm:styleLbl>
+  <dgm:styleLbl name="vennNode1">
+    <dgm:fillClrLst meth="repeat">
+      <a:schemeClr val="accent1">
+        <a:alpha val="50000"/>
+      </a:schemeClr>
+    </dgm:fillClrLst>
+    <dgm:linClrLst meth="repeat">
+      <a:schemeClr val="lt1"/>
+    </dgm:linClrLst>
+    <dgm:effectClrLst/>
+    <dgm:txLinClrLst/>
+    <dgm:txFillClrLst/>
+    <dgm:txEffectClrLst/>
+  </dgm:styleLbl>
+  <dgm:styleLbl name="node2">
+    <dgm:fillClrLst meth="repeat">
+      <a:schemeClr val="accent1"/>
+    </dgm:fillClrLst>
+    <dgm:linClrLst meth="repeat">
+      <a:schemeClr val="lt1"/>
+    </dgm:linClrLst>
+    <dgm:effectClrLst/>
+    <dgm:txLinClrLst/>
+    <dgm:txFillClrLst/>
+    <dgm:txEffectClrLst/>
+  </dgm:styleLbl>
+  <dgm:styleLbl name="node3">
+    <dgm:fillClrLst meth="repeat">
+      <a:schemeClr val="accent1"/>
+    </dgm:fillClrLst>
+    <dgm:linClrLst meth="repeat">
+      <a:schemeClr val="lt1"/>
+    </dgm:linClrLst>
+    <dgm:effectClrLst/>
+    <dgm:txLinClrLst/>
+    <dgm:txFillClrLst/>
+    <dgm:txEffectClrLst/>
+  </dgm:styleLbl>
+  <dgm:styleLbl name="node4">
+    <dgm:fillClrLst meth="repeat">
+      <a:schemeClr val="accent1"/>
+    </dgm:fillClrLst>
+    <dgm:linClrLst meth="repeat">
+      <a:schemeClr val="lt1"/>
+    </dgm:linClrLst>
+    <dgm:effectClrLst/>
+    <dgm:txLinClrLst/>
+    <dgm:txFillClrLst/>
+    <dgm:txEffectClrLst/>
+  </dgm:styleLbl>
+  <dgm:styleLbl name="fgImgPlace1">
+    <dgm:fillClrLst meth="repeat">
+      <a:schemeClr val="accent1">
+        <a:tint val="50000"/>
+      </a:schemeClr>
+    </dgm:fillClrLst>
+    <dgm:linClrLst meth="repeat">
+      <a:schemeClr val="lt1"/>
+    </dgm:linClrLst>
+    <dgm:effectClrLst/>
+    <dgm:txLinClrLst/>
+    <dgm:txFillClrLst meth="repeat">
+      <a:schemeClr val="lt1"/>
+    </dgm:txFillClrLst>
+    <dgm:txEffectClrLst/>
+  </dgm:styleLbl>
+  <dgm:styleLbl name="alignImgPlace1">
+    <dgm:fillClrLst meth="repeat">
+      <a:schemeClr val="accent1">
+        <a:tint val="50000"/>
+      </a:schemeClr>
+    </dgm:fillClrLst>
+    <dgm:linClrLst meth="repeat">
+      <a:schemeClr val="lt1"/>
+    </dgm:linClrLst>
+    <dgm:effectClrLst/>
+    <dgm:txLinClrLst/>
+    <dgm:txFillClrLst meth="repeat">
+      <a:schemeClr val="lt1"/>
+    </dgm:txFillClrLst>
+    <dgm:txEffectClrLst/>
+  </dgm:styleLbl>
+  <dgm:styleLbl name="bgImgPlace1">
+    <dgm:fillClrLst meth="repeat">
+      <a:schemeClr val="accent1">
+        <a:tint val="50000"/>
+      </a:schemeClr>
+    </dgm:fillClrLst>
+    <dgm:linClrLst meth="repeat">
+      <a:schemeClr val="lt1"/>
+    </dgm:linClrLst>
+    <dgm:effectClrLst/>
+    <dgm:txLinClrLst/>
+    <dgm:txFillClrLst meth="repeat">
+      <a:schemeClr val="lt1"/>
+    </dgm:txFillClrLst>
+    <dgm:txEffectClrLst/>
+  </dgm:styleLbl>
+  <dgm:styleLbl name="sibTrans2D1">
+    <dgm:fillClrLst meth="repeat">
+      <a:schemeClr val="accent1">
+        <a:tint val="60000"/>
+      </a:schemeClr>
+    </dgm:fillClrLst>
+    <dgm:linClrLst meth="repeat">
+      <a:schemeClr val="accent1">
+        <a:tint val="60000"/>
+      </a:schemeClr>
+    </dgm:linClrLst>
+    <dgm:effectClrLst/>
+    <dgm:txLinClrLst/>
+    <dgm:txFillClrLst/>
+    <dgm:txEffectClrLst/>
+  </dgm:styleLbl>
+  <dgm:styleLbl name="fgSibTrans2D1">
+    <dgm:fillClrLst meth="repeat">
+      <a:schemeClr val="accent1">
+        <a:tint val="60000"/>
+      </a:schemeClr>
+    </dgm:fillClrLst>
+    <dgm:linClrLst meth="repeat">
+      <a:schemeClr val="accent1">
+        <a:tint val="60000"/>
+      </a:schemeClr>
+    </dgm:linClrLst>
+    <dgm:effectClrLst/>
+    <dgm:txLinClrLst/>
+    <dgm:txFillClrLst/>
+    <dgm:txEffectClrLst/>
+  </dgm:styleLbl>
+  <dgm:styleLbl name="bgSibTrans2D1">
+    <dgm:fillClrLst meth="repeat">
+      <a:schemeClr val="accent1">
+        <a:tint val="60000"/>
+      </a:schemeClr>
+    </dgm:fillClrLst>
+    <dgm:linClrLst meth="repeat">
+      <a:schemeClr val="accent1">
+        <a:tint val="60000"/>
+      </a:schemeClr>
+    </dgm:linClrLst>
+    <dgm:effectClrLst/>
+    <dgm:txLinClrLst/>
+    <dgm:txFillClrLst/>
+    <dgm:txEffectClrLst/>
+  </dgm:styleLbl>
+  <dgm:styleLbl name="sibTrans1D1">
+    <dgm:fillClrLst meth="repeat">
+      <a:schemeClr val="accent1"/>
+    </dgm:fillClrLst>
+    <dgm:linClrLst meth="repeat">
+      <a:schemeClr val="accent1"/>
+    </dgm:linClrLst>
+    <dgm:effectClrLst/>
+    <dgm:txLinClrLst/>
+    <dgm:txFillClrLst meth="repeat">
+      <a:schemeClr val="tx1"/>
+    </dgm:txFillClrLst>
+    <dgm:txEffectClrLst/>
+  </dgm:styleLbl>
+  <dgm:styleLbl name="callout">
+    <dgm:fillClrLst meth="repeat">
+      <a:schemeClr val="accent1"/>
+    </dgm:fillClrLst>
+    <dgm:linClrLst meth="repeat">
+      <a:schemeClr val="accent1">
+        <a:tint val="50000"/>
+      </a:schemeClr>
+    </dgm:linClrLst>
+    <dgm:effectClrLst/>
+    <dgm:txLinClrLst/>
+    <dgm:txFillClrLst meth="repeat">
+      <a:schemeClr val="tx1"/>
+    </dgm:txFillClrLst>
+    <dgm:txEffectClrLst/>
+  </dgm:styleLbl>
+  <dgm:styleLbl name="asst0">
+    <dgm:fillClrLst meth="repeat">
+      <a:schemeClr val="accent1"/>
+    </dgm:fillClrLst>
+    <dgm:linClrLst meth="repeat">
+      <a:schemeClr val="lt1"/>
+    </dgm:linClrLst>
+    <dgm:effectClrLst/>
+    <dgm:txLinClrLst/>
+    <dgm:txFillClrLst/>
+    <dgm:txEffectClrLst/>
+  </dgm:styleLbl>
+  <dgm:styleLbl name="asst1">
+    <dgm:fillClrLst meth="repeat">
+      <a:schemeClr val="accent1"/>
+    </dgm:fillClrLst>
+    <dgm:linClrLst meth="repeat">
+      <a:schemeClr val="lt1"/>
+    </dgm:linClrLst>
+    <dgm:effectClrLst/>
+    <dgm:txLinClrLst/>
+    <dgm:txFillClrLst/>
+    <dgm:txEffectClrLst/>
+  </dgm:styleLbl>
+  <dgm:styleLbl name="asst2">
+    <dgm:fillClrLst meth="repeat">
+      <a:schemeClr val="accent1"/>
+    </dgm:fillClrLst>
+    <dgm:linClrLst meth="repeat">
+      <a:schemeClr val="lt1"/>
+    </dgm:linClrLst>
+    <dgm:effectClrLst/>
+    <dgm:txLinClrLst/>
+    <dgm:txFillClrLst/>
+    <dgm:txEffectClrLst/>
+  </dgm:styleLbl>
+  <dgm:styleLbl name="asst3">
+    <dgm:fillClrLst meth="repeat">
+      <a:schemeClr val="accent1"/>
+    </dgm:fillClrLst>
+    <dgm:linClrLst meth="repeat">
+      <a:schemeClr val="lt1"/>
+    </dgm:linClrLst>
+    <dgm:effectClrLst/>
+    <dgm:txLinClrLst/>
+    <dgm:txFillClrLst/>
+    <dgm:txEffectClrLst/>
+  </dgm:styleLbl>
+  <dgm:styleLbl name="asst4">
+    <dgm:fillClrLst meth="repeat">
+      <a:schemeClr val="accent1"/>
+    </dgm:fillClrLst>
+    <dgm:linClrLst meth="repeat">
+      <a:schemeClr val="lt1"/>
+    </dgm:linClrLst>
+    <dgm:effectClrLst/>
+    <dgm:txLinClrLst/>
+    <dgm:txFillClrLst/>
+    <dgm:txEffectClrLst/>
+  </dgm:styleLbl>
+  <dgm:styleLbl name="parChTrans2D1">
+    <dgm:fillClrLst meth="repeat">
+      <a:schemeClr val="accent1">
+        <a:tint val="60000"/>
+      </a:schemeClr>
+    </dgm:fillClrLst>
+    <dgm:linClrLst meth="repeat">
+      <a:schemeClr val="accent1">
+        <a:tint val="60000"/>
+      </a:schemeClr>
+    </dgm:linClrLst>
+    <dgm:effectClrLst/>
+    <dgm:txLinClrLst/>
+    <dgm:txFillClrLst meth="repeat">
+      <a:schemeClr val="lt1"/>
+    </dgm:txFillClrLst>
+    <dgm:txEffectClrLst/>
+  </dgm:styleLbl>
+  <dgm:styleLbl name="parChTrans2D2">
+    <dgm:fillClrLst meth="repeat">
+      <a:schemeClr val="accent1"/>
+    </dgm:fillClrLst>
+    <dgm:linClrLst meth="repeat">
+      <a:schemeClr val="accent1"/>
+    </dgm:linClrLst>
+    <dgm:effectClrLst/>
+    <dgm:txLinClrLst/>
+    <dgm:txFillClrLst meth="repeat">
+      <a:schemeClr val="lt1"/>
+    </dgm:txFillClrLst>
+    <dgm:txEffectClrLst/>
+  </dgm:styleLbl>
+  <dgm:styleLbl name="parChTrans2D3">
+    <dgm:fillClrLst meth="repeat">
+      <a:schemeClr val="accent1"/>
+    </dgm:fillClrLst>
+    <dgm:linClrLst meth="repeat">
+      <a:schemeClr val="accent1"/>
+    </dgm:linClrLst>
+    <dgm:effectClrLst/>
+    <dgm:txLinClrLst/>
+    <dgm:txFillClrLst meth="repeat">
+      <a:schemeClr val="lt1"/>
+    </dgm:txFillClrLst>
+    <dgm:txEffectClrLst/>
+  </dgm:styleLbl>
+  <dgm:styleLbl name="parChTrans2D4">
+    <dgm:fillClrLst meth="repeat">
+      <a:schemeClr val="accent1"/>
+    </dgm:fillClrLst>
+    <dgm:linClrLst meth="repeat">
+      <a:schemeClr val="accent1"/>
+    </dgm:linClrLst>
+    <dgm:effectClrLst/>
+    <dgm:txLinClrLst/>
+    <dgm:txFillClrLst meth="repeat">
+      <a:schemeClr val="lt1"/>
+    </dgm:txFillClrLst>
+    <dgm:txEffectClrLst/>
+  </dgm:styleLbl>
+  <dgm:styleLbl name="parChTrans1D1">
+    <dgm:fillClrLst meth="repeat">
+      <a:schemeClr val="accent1"/>
+    </dgm:fillClrLst>
+    <dgm:linClrLst meth="repeat">
+      <a:schemeClr val="accent1">
+        <a:shade val="60000"/>
+      </a:schemeClr>
+    </dgm:linClrLst>
+    <dgm:effectClrLst/>
+    <dgm:txLinClrLst/>
+    <dgm:txFillClrLst meth="repeat">
+      <a:schemeClr val="tx1"/>
+    </dgm:txFillClrLst>
+    <dgm:txEffectClrLst/>
+  </dgm:styleLbl>
+  <dgm:styleLbl name="parChTrans1D2">
+    <dgm:fillClrLst meth="repeat">
+      <a:schemeClr val="accent1"/>
+    </dgm:fillClrLst>
+    <dgm:linClrLst meth="repeat">
+      <a:schemeClr val="accent1">
+        <a:shade val="60000"/>
+      </a:schemeClr>
+    </dgm:linClrLst>
+    <dgm:effectClrLst/>
+    <dgm:txLinClrLst/>
+    <dgm:txFillClrLst meth="repeat">
+      <a:schemeClr val="tx1"/>
+    </dgm:txFillClrLst>
+    <dgm:txEffectClrLst/>
+  </dgm:styleLbl>
+  <dgm:styleLbl name="parChTrans1D3">
+    <dgm:fillClrLst meth="repeat">
+      <a:schemeClr val="accent1"/>
+    </dgm:fillClrLst>
+    <dgm:linClrLst meth="repeat">
+      <a:schemeClr val="accent1">
+        <a:shade val="80000"/>
+      </a:schemeClr>
+    </dgm:linClrLst>
+    <dgm:effectClrLst/>
+    <dgm:txLinClrLst/>
+    <dgm:txFillClrLst meth="repeat">
+      <a:schemeClr val="tx1"/>
+    </dgm:txFillClrLst>
+    <dgm:txEffectClrLst/>
+  </dgm:styleLbl>
+  <dgm:styleLbl name="parChTrans1D4">
+    <dgm:fillClrLst meth="repeat">
+      <a:schemeClr val="accent1"/>
+    </dgm:fillClrLst>
+    <dgm:linClrLst meth="repeat">
+      <a:schemeClr val="accent1">
+        <a:shade val="80000"/>
+      </a:schemeClr>
+    </dgm:linClrLst>
+    <dgm:effectClrLst/>
+    <dgm:txLinClrLst/>
+    <dgm:txFillClrLst meth="repeat">
+      <a:schemeClr val="tx1"/>
+    </dgm:txFillClrLst>
+    <dgm:txEffectClrLst/>
+  </dgm:styleLbl>
+  <dgm:styleLbl name="fgAcc1">
+    <dgm:fillClrLst meth="repeat">
+      <a:schemeClr val="lt1">
+        <a:alpha val="90000"/>
+      </a:schemeClr>
+    </dgm:fillClrLst>
+    <dgm:linClrLst meth="repeat">
+      <a:schemeClr val="accent1"/>
+    </dgm:linClrLst>
+    <dgm:effectClrLst/>
+    <dgm:txLinClrLst/>
+    <dgm:txFillClrLst meth="repeat">
+      <a:schemeClr val="dk1"/>
+    </dgm:txFillClrLst>
+    <dgm:txEffectClrLst/>
+  </dgm:styleLbl>
+  <dgm:styleLbl name="conFgAcc1">
+    <dgm:fillClrLst meth="repeat">
+      <a:schemeClr val="lt1">
+        <a:alpha val="90000"/>
+      </a:schemeClr>
+    </dgm:fillClrLst>
+    <dgm:linClrLst meth="repeat">
+      <a:schemeClr val="accent1"/>
+    </dgm:linClrLst>
+    <dgm:effectClrLst/>
+    <dgm:txLinClrLst/>
+    <dgm:txFillClrLst meth="repeat">
+      <a:schemeClr val="dk1"/>
+    </dgm:txFillClrLst>
+    <dgm:txEffectClrLst/>
+  </dgm:styleLbl>
+  <dgm:styleLbl name="alignAcc1">
+    <dgm:fillClrLst meth="repeat">
+      <a:schemeClr val="lt1">
+        <a:alpha val="90000"/>
+      </a:schemeClr>
+    </dgm:fillClrLst>
+    <dgm:linClrLst meth="repeat">
+      <a:schemeClr val="accent1"/>
+    </dgm:linClrLst>
+    <dgm:effectClrLst/>
+    <dgm:txLinClrLst/>
+    <dgm:txFillClrLst meth="repeat">
+      <a:schemeClr val="dk1"/>
+    </dgm:txFillClrLst>
+    <dgm:txEffectClrLst/>
+  </dgm:styleLbl>
+  <dgm:styleLbl name="trAlignAcc1">
+    <dgm:fillClrLst meth="repeat">
+      <a:schemeClr val="lt1">
+        <a:alpha val="40000"/>
+      </a:schemeClr>
+    </dgm:fillClrLst>
+    <dgm:linClrLst meth="repeat">
+      <a:schemeClr val="accent1"/>
+    </dgm:linClrLst>
+    <dgm:effectClrLst/>
+    <dgm:txLinClrLst/>
+    <dgm:txFillClrLst meth="repeat">
+      <a:schemeClr val="dk1"/>
+    </dgm:txFillClrLst>
+    <dgm:txEffectClrLst/>
+  </dgm:styleLbl>
+  <dgm:styleLbl name="bgAcc1">
+    <dgm:fillClrLst meth="repeat">
+      <a:schemeClr val="lt1">
+        <a:alpha val="90000"/>
+      </a:schemeClr>
+    </dgm:fillClrLst>
+    <dgm:linClrLst meth="repeat">
+      <a:schemeClr val="accent1"/>
+    </dgm:linClrLst>
+    <dgm:effectClrLst/>
+    <dgm:txLinClrLst/>
+    <dgm:txFillClrLst meth="repeat">
+      <a:schemeClr val="dk1"/>
+    </dgm:txFillClrLst>
+    <dgm:txEffectClrLst/>
+  </dgm:styleLbl>
+  <dgm:styleLbl name="solidFgAcc1">
+    <dgm:fillClrLst meth="repeat">
+      <a:schemeClr val="lt1"/>
+    </dgm:fillClrLst>
+    <dgm:linClrLst meth="repeat">
+      <a:schemeClr val="accent1"/>
+    </dgm:linClrLst>
+    <dgm:effectClrLst/>
+    <dgm:txLinClrLst/>
+    <dgm:txFillClrLst meth="repeat">
+      <a:schemeClr val="dk1"/>
+    </dgm:txFillClrLst>
+    <dgm:txEffectClrLst/>
+  </dgm:styleLbl>
+  <dgm:styleLbl name="solidAlignAcc1">
+    <dgm:fillClrLst meth="repeat">
+      <a:schemeClr val="lt1"/>
+    </dgm:fillClrLst>
+    <dgm:linClrLst meth="repeat">
+      <a:schemeClr val="accent1"/>
+    </dgm:linClrLst>
+    <dgm:effectClrLst/>
+    <dgm:txLinClrLst/>
+    <dgm:txFillClrLst meth="repeat">
+      <a:schemeClr val="dk1"/>
+    </dgm:txFillClrLst>
+    <dgm:txEffectClrLst/>
+  </dgm:styleLbl>
+  <dgm:styleLbl name="solidBgAcc1">
+    <dgm:fillClrLst meth="repeat">
+      <a:schemeClr val="lt1"/>
+    </dgm:fillClrLst>
+    <dgm:linClrLst meth="repeat">
+      <a:schemeClr val="accent1"/>
+    </dgm:linClrLst>
+    <dgm:effectClrLst/>
+    <dgm:txLinClrLst/>
+    <dgm:txFillClrLst meth="repeat">
+      <a:schemeClr val="dk1"/>
+    </dgm:txFillClrLst>
+    <dgm:txEffectClrLst/>
+  </dgm:styleLbl>
+  <dgm:styleLbl name="fgAccFollowNode1">
+    <dgm:fillClrLst meth="repeat">
+      <a:schemeClr val="accent1">
+        <a:alpha val="90000"/>
+        <a:tint val="40000"/>
+      </a:schemeClr>
+    </dgm:fillClrLst>
+    <dgm:linClrLst meth="repeat">
+      <a:schemeClr val="accent1">
+        <a:alpha val="90000"/>
+        <a:tint val="40000"/>
+      </a:schemeClr>
+    </dgm:linClrLst>
+    <dgm:effectClrLst/>
+    <dgm:txLinClrLst/>
+    <dgm:txFillClrLst meth="repeat">
+      <a:schemeClr val="dk1"/>
+    </dgm:txFillClrLst>
+    <dgm:txEffectClrLst/>
+  </dgm:styleLbl>
+  <dgm:styleLbl name="alignAccFollowNode1">
+    <dgm:fillClrLst meth="repeat">
+      <a:schemeClr val="accent1">
+        <a:alpha val="90000"/>
+        <a:tint val="40000"/>
+      </a:schemeClr>
+    </dgm:fillClrLst>
+    <dgm:linClrLst meth="repeat">
+      <a:schemeClr val="accent1">
+        <a:alpha val="90000"/>
+        <a:tint val="40000"/>
+      </a:schemeClr>
+    </dgm:linClrLst>
+    <dgm:effectClrLst/>
+    <dgm:txLinClrLst/>
+    <dgm:txFillClrLst meth="repeat">
+      <a:schemeClr val="dk1"/>
+    </dgm:txFillClrLst>
+    <dgm:txEffectClrLst/>
+  </dgm:styleLbl>
+  <dgm:styleLbl name="bgAccFollowNode1">
+    <dgm:fillClrLst meth="repeat">
+      <a:schemeClr val="accent1">
+        <a:alpha val="90000"/>
+        <a:tint val="40000"/>
+      </a:schemeClr>
+    </dgm:fillClrLst>
+    <dgm:linClrLst meth="repeat">
+      <a:schemeClr val="accent1">
+        <a:alpha val="90000"/>
+        <a:tint val="40000"/>
+      </a:schemeClr>
+    </dgm:linClrLst>
+    <dgm:effectClrLst/>
+    <dgm:txLinClrLst/>
+    <dgm:txFillClrLst meth="repeat">
+      <a:schemeClr val="dk1"/>
+    </dgm:txFillClrLst>
+    <dgm:txEffectClrLst/>
+  </dgm:styleLbl>
+  <dgm:styleLbl name="fgAcc0">
+    <dgm:fillClrLst meth="repeat">
+      <a:schemeClr val="lt1">
+        <a:alpha val="90000"/>
+      </a:schemeClr>
+    </dgm:fillClrLst>
+    <dgm:linClrLst meth="repeat">
+      <a:schemeClr val="accent1"/>
+    </dgm:linClrLst>
+    <dgm:effectClrLst/>
+    <dgm:txLinClrLst/>
+    <dgm:txFillClrLst meth="repeat">
+      <a:schemeClr val="dk1"/>
+    </dgm:txFillClrLst>
+    <dgm:txEffectClrLst/>
+  </dgm:styleLbl>
+  <dgm:styleLbl name="fgAcc2">
+    <dgm:fillClrLst meth="repeat">
+      <a:schemeClr val="lt1">
+        <a:alpha val="90000"/>
+      </a:schemeClr>
+    </dgm:fillClrLst>
+    <dgm:linClrLst meth="repeat">
+      <a:schemeClr val="accent1"/>
+    </dgm:linClrLst>
+    <dgm:effectClrLst/>
+    <dgm:txLinClrLst/>
+    <dgm:txFillClrLst meth="repeat">
+      <a:schemeClr val="dk1"/>
+    </dgm:txFillClrLst>
+    <dgm:txEffectClrLst/>
+  </dgm:styleLbl>
+  <dgm:styleLbl name="fgAcc3">
+    <dgm:fillClrLst meth="repeat">
+      <a:schemeClr val="lt1">
+        <a:alpha val="90000"/>
+      </a:schemeClr>
+    </dgm:fillClrLst>
+    <dgm:linClrLst meth="repeat">
+      <a:schemeClr val="accent1"/>
+    </dgm:linClrLst>
+    <dgm:effectClrLst/>
+    <dgm:txLinClrLst/>
+    <dgm:txFillClrLst meth="repeat">
+      <a:schemeClr val="dk1"/>
+    </dgm:txFillClrLst>
+    <dgm:txEffectClrLst/>
+  </dgm:styleLbl>
+  <dgm:styleLbl name="fgAcc4">
+    <dgm:fillClrLst meth="repeat">
+      <a:schemeClr val="lt1">
+        <a:alpha val="90000"/>
+      </a:schemeClr>
+    </dgm:fillClrLst>
+    <dgm:linClrLst meth="repeat">
+      <a:schemeClr val="accent1"/>
+    </dgm:linClrLst>
+    <dgm:effectClrLst/>
+    <dgm:txLinClrLst/>
+    <dgm:txFillClrLst meth="repeat">
+      <a:schemeClr val="dk1"/>
+    </dgm:txFillClrLst>
+    <dgm:txEffectClrLst/>
+  </dgm:styleLbl>
+  <dgm:styleLbl name="bgShp">
+    <dgm:fillClrLst meth="repeat">
+      <a:schemeClr val="accent1">
+        <a:tint val="40000"/>
+      </a:schemeClr>
+    </dgm:fillClrLst>
+    <dgm:linClrLst meth="repeat">
+      <a:schemeClr val="accent1"/>
+    </dgm:linClrLst>
+    <dgm:effectClrLst/>
+    <dgm:txLinClrLst/>
+    <dgm:txFillClrLst meth="repeat">
+      <a:schemeClr val="dk1"/>
+    </dgm:txFillClrLst>
+    <dgm:txEffectClrLst/>
+  </dgm:styleLbl>
+  <dgm:styleLbl name="dkBgShp">
+    <dgm:fillClrLst meth="repeat">
+      <a:schemeClr val="accent1">
+        <a:shade val="80000"/>
+      </a:schemeClr>
+    </dgm:fillClrLst>
+    <dgm:linClrLst meth="repeat">
+      <a:schemeClr val="accent1"/>
+    </dgm:linClrLst>
+    <dgm:effectClrLst/>
+    <dgm:txLinClrLst/>
+    <dgm:txFillClrLst meth="repeat">
+      <a:schemeClr val="lt1"/>
+    </dgm:txFillClrLst>
+    <dgm:txEffectClrLst/>
+  </dgm:styleLbl>
+  <dgm:styleLbl name="trBgShp">
+    <dgm:fillClrLst meth="repeat">
+      <a:schemeClr val="accent1">
+        <a:tint val="50000"/>
+        <a:alpha val="40000"/>
+      </a:schemeClr>
+    </dgm:fillClrLst>
+    <dgm:linClrLst meth="repeat">
+      <a:schemeClr val="accent1"/>
+    </dgm:linClrLst>
+    <dgm:effectClrLst/>
+    <dgm:txLinClrLst/>
+    <dgm:txFillClrLst meth="repeat">
+      <a:schemeClr val="lt1"/>
+    </dgm:txFillClrLst>
+    <dgm:txEffectClrLst/>
+  </dgm:styleLbl>
+  <dgm:styleLbl name="fgShp">
+    <dgm:fillClrLst meth="repeat">
+      <a:schemeClr val="accent1">
+        <a:tint val="60000"/>
+      </a:schemeClr>
+    </dgm:fillClrLst>
+    <dgm:linClrLst meth="repeat">
+      <a:schemeClr val="lt1"/>
+    </dgm:linClrLst>
+    <dgm:effectClrLst/>
+    <dgm:txLinClrLst/>
+    <dgm:txFillClrLst meth="repeat">
+      <a:schemeClr val="dk1"/>
+    </dgm:txFillClrLst>
+    <dgm:txEffectClrLst/>
+  </dgm:styleLbl>
+  <dgm:styleLbl name="revTx">
+    <dgm:fillClrLst meth="repeat">
+      <a:schemeClr val="lt1">
+        <a:alpha val="0"/>
+      </a:schemeClr>
+    </dgm:fillClrLst>
+    <dgm:linClrLst meth="repeat">
+      <a:schemeClr val="dk1">
+        <a:alpha val="0"/>
+      </a:schemeClr>
+    </dgm:linClrLst>
+    <dgm:effectClrLst/>
+    <dgm:txLinClrLst/>
+    <dgm:txFillClrLst meth="repeat">
+      <a:schemeClr val="tx1"/>
+    </dgm:txFillClrLst>
+    <dgm:txEffectClrLst/>
+  </dgm:styleLbl>
+</dgm:colorsDef>
+</file>
+
+<file path=ppt/diagrams/data1.xml><?xml version="1.0" encoding="utf-8"?>
+<dgm:dataModel xmlns:dgm="http://schemas.openxmlformats.org/drawingml/2006/diagram" xmlns:a="http://schemas.openxmlformats.org/drawingml/2006/main">
+  <dgm:ptLst>
+    <dgm:pt modelId="{2FA53414-3470-461A-B346-0B32E704F5A9}" type="doc">
+      <dgm:prSet loTypeId="urn:microsoft.com/office/officeart/2005/8/layout/chevron1" loCatId="process" qsTypeId="urn:microsoft.com/office/officeart/2005/8/quickstyle/simple1" qsCatId="simple" csTypeId="urn:microsoft.com/office/officeart/2005/8/colors/accent1_2" csCatId="accent1" phldr="1"/>
+      <dgm:spPr/>
+    </dgm:pt>
+    <dgm:pt modelId="{42CC926B-0F6E-4245-863E-CADA07BD14CF}">
+      <dgm:prSet phldrT="[Text]"/>
+      <dgm:spPr/>
+      <dgm:t>
+        <a:bodyPr/>
+        <a:lstStyle/>
+        <a:p>
+          <a:r>
+            <a:rPr lang="en-US" dirty="0" smtClean="0"/>
+            <a:t>Gather files</a:t>
+          </a:r>
+          <a:endParaRPr lang="en-US" dirty="0"/>
+        </a:p>
+      </dgm:t>
+    </dgm:pt>
+    <dgm:pt modelId="{55A91F5F-6BCD-41D4-AE41-9C1EE26174F0}" type="parTrans" cxnId="{19E5CA65-7EF8-4BC3-B910-CFD342A9B70F}">
+      <dgm:prSet/>
+      <dgm:spPr/>
+      <dgm:t>
+        <a:bodyPr/>
+        <a:lstStyle/>
+        <a:p>
+          <a:endParaRPr lang="en-US"/>
+        </a:p>
+      </dgm:t>
+    </dgm:pt>
+    <dgm:pt modelId="{DE9565C6-1F9E-4724-BD57-1C287AD5FAAA}" type="sibTrans" cxnId="{19E5CA65-7EF8-4BC3-B910-CFD342A9B70F}">
+      <dgm:prSet/>
+      <dgm:spPr/>
+      <dgm:t>
+        <a:bodyPr/>
+        <a:lstStyle/>
+        <a:p>
+          <a:endParaRPr lang="en-US"/>
+        </a:p>
+      </dgm:t>
+    </dgm:pt>
+    <dgm:pt modelId="{6ED3B723-AAB4-4BA2-A817-507E31F6703F}">
+      <dgm:prSet phldrT="[Text]"/>
+      <dgm:spPr/>
+      <dgm:t>
+        <a:bodyPr/>
+        <a:lstStyle/>
+        <a:p>
+          <a:r>
+            <a:rPr lang="en-US" dirty="0" smtClean="0"/>
+            <a:t>Transform files</a:t>
+          </a:r>
+          <a:endParaRPr lang="en-US" dirty="0"/>
+        </a:p>
+      </dgm:t>
+    </dgm:pt>
+    <dgm:pt modelId="{4ED1BFC1-E62D-4C3C-940F-4EC90F3BF702}" type="parTrans" cxnId="{47DDBA6C-0857-47F2-8376-8AC2EE0A8BAA}">
+      <dgm:prSet/>
+      <dgm:spPr/>
+      <dgm:t>
+        <a:bodyPr/>
+        <a:lstStyle/>
+        <a:p>
+          <a:endParaRPr lang="en-US"/>
+        </a:p>
+      </dgm:t>
+    </dgm:pt>
+    <dgm:pt modelId="{FFD156BE-BB9D-449B-A375-CB11BBD862A9}" type="sibTrans" cxnId="{47DDBA6C-0857-47F2-8376-8AC2EE0A8BAA}">
+      <dgm:prSet/>
+      <dgm:spPr/>
+      <dgm:t>
+        <a:bodyPr/>
+        <a:lstStyle/>
+        <a:p>
+          <a:endParaRPr lang="en-US"/>
+        </a:p>
+      </dgm:t>
+    </dgm:pt>
+    <dgm:pt modelId="{33A2F046-56B6-49D3-A182-B6B9CD4A9BA4}">
+      <dgm:prSet phldrT="[Text]"/>
+      <dgm:spPr/>
+      <dgm:t>
+        <a:bodyPr/>
+        <a:lstStyle/>
+        <a:p>
+          <a:r>
+            <a:rPr lang="en-US" dirty="0" smtClean="0"/>
+            <a:t>Publish</a:t>
+          </a:r>
+          <a:endParaRPr lang="en-US" dirty="0"/>
+        </a:p>
+      </dgm:t>
+    </dgm:pt>
+    <dgm:pt modelId="{3CB2090C-1A2A-460A-939D-34AD68B3F375}" type="parTrans" cxnId="{CAFA3311-2F40-473F-A319-5DF78F165B8F}">
+      <dgm:prSet/>
+      <dgm:spPr/>
+      <dgm:t>
+        <a:bodyPr/>
+        <a:lstStyle/>
+        <a:p>
+          <a:endParaRPr lang="en-US"/>
+        </a:p>
+      </dgm:t>
+    </dgm:pt>
+    <dgm:pt modelId="{1E413BC8-DFFC-4AF7-97E3-7530E5E9F144}" type="sibTrans" cxnId="{CAFA3311-2F40-473F-A319-5DF78F165B8F}">
+      <dgm:prSet/>
+      <dgm:spPr/>
+      <dgm:t>
+        <a:bodyPr/>
+        <a:lstStyle/>
+        <a:p>
+          <a:endParaRPr lang="en-US"/>
+        </a:p>
+      </dgm:t>
+    </dgm:pt>
+    <dgm:pt modelId="{0ACE5C18-8C45-4F7F-8512-5A86BE6AE41F}">
+      <dgm:prSet phldrT="[Text]"/>
+      <dgm:spPr/>
+      <dgm:t>
+        <a:bodyPr/>
+        <a:lstStyle/>
+        <a:p>
+          <a:r>
+            <a:rPr lang="en-US" dirty="0" smtClean="0"/>
+            <a:t>Build project</a:t>
+          </a:r>
+          <a:endParaRPr lang="en-US" dirty="0"/>
+        </a:p>
+      </dgm:t>
+    </dgm:pt>
+    <dgm:pt modelId="{460B9C7A-D334-46FA-9838-830A7F142A1E}" type="sibTrans" cxnId="{521930EA-7D2D-48F9-BA89-57857E8A4115}">
+      <dgm:prSet/>
+      <dgm:spPr/>
+      <dgm:t>
+        <a:bodyPr/>
+        <a:lstStyle/>
+        <a:p>
+          <a:endParaRPr lang="en-US"/>
+        </a:p>
+      </dgm:t>
+    </dgm:pt>
+    <dgm:pt modelId="{D73E1367-1171-45BB-9EA4-19F4E54DAF9D}" type="parTrans" cxnId="{521930EA-7D2D-48F9-BA89-57857E8A4115}">
+      <dgm:prSet/>
+      <dgm:spPr/>
+      <dgm:t>
+        <a:bodyPr/>
+        <a:lstStyle/>
+        <a:p>
+          <a:endParaRPr lang="en-US"/>
+        </a:p>
+      </dgm:t>
+    </dgm:pt>
+    <dgm:pt modelId="{02317DFA-7D38-4DDE-8E1B-9277A9994909}" type="pres">
+      <dgm:prSet presAssocID="{2FA53414-3470-461A-B346-0B32E704F5A9}" presName="Name0" presStyleCnt="0">
+        <dgm:presLayoutVars>
+          <dgm:dir/>
+          <dgm:animLvl val="lvl"/>
+          <dgm:resizeHandles val="exact"/>
+        </dgm:presLayoutVars>
+      </dgm:prSet>
+      <dgm:spPr/>
+    </dgm:pt>
+    <dgm:pt modelId="{7464D451-65F7-4687-A042-364D3D027CBF}" type="pres">
+      <dgm:prSet presAssocID="{0ACE5C18-8C45-4F7F-8512-5A86BE6AE41F}" presName="parTxOnly" presStyleLbl="node1" presStyleIdx="0" presStyleCnt="4">
+        <dgm:presLayoutVars>
+          <dgm:chMax val="0"/>
+          <dgm:chPref val="0"/>
+          <dgm:bulletEnabled val="1"/>
+        </dgm:presLayoutVars>
+      </dgm:prSet>
+      <dgm:spPr/>
+      <dgm:t>
+        <a:bodyPr/>
+        <a:lstStyle/>
+        <a:p>
+          <a:endParaRPr lang="en-US"/>
+        </a:p>
+      </dgm:t>
+    </dgm:pt>
+    <dgm:pt modelId="{C26408AE-BEE2-498F-A235-70FB5E24F66A}" type="pres">
+      <dgm:prSet presAssocID="{460B9C7A-D334-46FA-9838-830A7F142A1E}" presName="parTxOnlySpace" presStyleCnt="0"/>
+      <dgm:spPr/>
+    </dgm:pt>
+    <dgm:pt modelId="{127E17C8-AC37-4E28-9786-BF485DEC18ED}" type="pres">
+      <dgm:prSet presAssocID="{42CC926B-0F6E-4245-863E-CADA07BD14CF}" presName="parTxOnly" presStyleLbl="node1" presStyleIdx="1" presStyleCnt="4">
+        <dgm:presLayoutVars>
+          <dgm:chMax val="0"/>
+          <dgm:chPref val="0"/>
+          <dgm:bulletEnabled val="1"/>
+        </dgm:presLayoutVars>
+      </dgm:prSet>
+      <dgm:spPr/>
+    </dgm:pt>
+    <dgm:pt modelId="{7796D102-CA7D-407F-850F-764A93B685ED}" type="pres">
+      <dgm:prSet presAssocID="{DE9565C6-1F9E-4724-BD57-1C287AD5FAAA}" presName="parTxOnlySpace" presStyleCnt="0"/>
+      <dgm:spPr/>
+    </dgm:pt>
+    <dgm:pt modelId="{8E205F81-76A3-4674-82A5-9F107FD5B672}" type="pres">
+      <dgm:prSet presAssocID="{6ED3B723-AAB4-4BA2-A817-507E31F6703F}" presName="parTxOnly" presStyleLbl="node1" presStyleIdx="2" presStyleCnt="4">
+        <dgm:presLayoutVars>
+          <dgm:chMax val="0"/>
+          <dgm:chPref val="0"/>
+          <dgm:bulletEnabled val="1"/>
+        </dgm:presLayoutVars>
+      </dgm:prSet>
+      <dgm:spPr/>
+      <dgm:t>
+        <a:bodyPr/>
+        <a:lstStyle/>
+        <a:p>
+          <a:endParaRPr lang="en-US"/>
+        </a:p>
+      </dgm:t>
+    </dgm:pt>
+    <dgm:pt modelId="{5F103B0A-FD1C-4BA1-8248-4B23D044C637}" type="pres">
+      <dgm:prSet presAssocID="{FFD156BE-BB9D-449B-A375-CB11BBD862A9}" presName="parTxOnlySpace" presStyleCnt="0"/>
+      <dgm:spPr/>
+    </dgm:pt>
+    <dgm:pt modelId="{98BC3CEB-2D2A-46E2-B6CE-1B8AA474D756}" type="pres">
+      <dgm:prSet presAssocID="{33A2F046-56B6-49D3-A182-B6B9CD4A9BA4}" presName="parTxOnly" presStyleLbl="node1" presStyleIdx="3" presStyleCnt="4">
+        <dgm:presLayoutVars>
+          <dgm:chMax val="0"/>
+          <dgm:chPref val="0"/>
+          <dgm:bulletEnabled val="1"/>
+        </dgm:presLayoutVars>
+      </dgm:prSet>
+      <dgm:spPr/>
+    </dgm:pt>
+  </dgm:ptLst>
+  <dgm:cxnLst>
+    <dgm:cxn modelId="{AA1F8849-518E-46C7-8426-EB25B4FD13A7}" type="presOf" srcId="{2FA53414-3470-461A-B346-0B32E704F5A9}" destId="{02317DFA-7D38-4DDE-8E1B-9277A9994909}" srcOrd="0" destOrd="0" presId="urn:microsoft.com/office/officeart/2005/8/layout/chevron1"/>
+    <dgm:cxn modelId="{D182C5C7-10BF-42B9-A016-6DFBB7294F9D}" type="presOf" srcId="{6ED3B723-AAB4-4BA2-A817-507E31F6703F}" destId="{8E205F81-76A3-4674-82A5-9F107FD5B672}" srcOrd="0" destOrd="0" presId="urn:microsoft.com/office/officeart/2005/8/layout/chevron1"/>
+    <dgm:cxn modelId="{47DDBA6C-0857-47F2-8376-8AC2EE0A8BAA}" srcId="{2FA53414-3470-461A-B346-0B32E704F5A9}" destId="{6ED3B723-AAB4-4BA2-A817-507E31F6703F}" srcOrd="2" destOrd="0" parTransId="{4ED1BFC1-E62D-4C3C-940F-4EC90F3BF702}" sibTransId="{FFD156BE-BB9D-449B-A375-CB11BBD862A9}"/>
+    <dgm:cxn modelId="{16040131-D3D2-4F72-8524-844B19313351}" type="presOf" srcId="{42CC926B-0F6E-4245-863E-CADA07BD14CF}" destId="{127E17C8-AC37-4E28-9786-BF485DEC18ED}" srcOrd="0" destOrd="0" presId="urn:microsoft.com/office/officeart/2005/8/layout/chevron1"/>
+    <dgm:cxn modelId="{19E5CA65-7EF8-4BC3-B910-CFD342A9B70F}" srcId="{2FA53414-3470-461A-B346-0B32E704F5A9}" destId="{42CC926B-0F6E-4245-863E-CADA07BD14CF}" srcOrd="1" destOrd="0" parTransId="{55A91F5F-6BCD-41D4-AE41-9C1EE26174F0}" sibTransId="{DE9565C6-1F9E-4724-BD57-1C287AD5FAAA}"/>
+    <dgm:cxn modelId="{3C925A34-39C7-42FA-88B0-FF84168D43BF}" type="presOf" srcId="{0ACE5C18-8C45-4F7F-8512-5A86BE6AE41F}" destId="{7464D451-65F7-4687-A042-364D3D027CBF}" srcOrd="0" destOrd="0" presId="urn:microsoft.com/office/officeart/2005/8/layout/chevron1"/>
+    <dgm:cxn modelId="{CAFA3311-2F40-473F-A319-5DF78F165B8F}" srcId="{2FA53414-3470-461A-B346-0B32E704F5A9}" destId="{33A2F046-56B6-49D3-A182-B6B9CD4A9BA4}" srcOrd="3" destOrd="0" parTransId="{3CB2090C-1A2A-460A-939D-34AD68B3F375}" sibTransId="{1E413BC8-DFFC-4AF7-97E3-7530E5E9F144}"/>
+    <dgm:cxn modelId="{2A29B5BE-6E12-4664-B01D-2312D3CF9AE5}" type="presOf" srcId="{33A2F046-56B6-49D3-A182-B6B9CD4A9BA4}" destId="{98BC3CEB-2D2A-46E2-B6CE-1B8AA474D756}" srcOrd="0" destOrd="0" presId="urn:microsoft.com/office/officeart/2005/8/layout/chevron1"/>
+    <dgm:cxn modelId="{521930EA-7D2D-48F9-BA89-57857E8A4115}" srcId="{2FA53414-3470-461A-B346-0B32E704F5A9}" destId="{0ACE5C18-8C45-4F7F-8512-5A86BE6AE41F}" srcOrd="0" destOrd="0" parTransId="{D73E1367-1171-45BB-9EA4-19F4E54DAF9D}" sibTransId="{460B9C7A-D334-46FA-9838-830A7F142A1E}"/>
+    <dgm:cxn modelId="{DC5D25D3-688F-4937-848D-D17F1CF848E2}" type="presParOf" srcId="{02317DFA-7D38-4DDE-8E1B-9277A9994909}" destId="{7464D451-65F7-4687-A042-364D3D027CBF}" srcOrd="0" destOrd="0" presId="urn:microsoft.com/office/officeart/2005/8/layout/chevron1"/>
+    <dgm:cxn modelId="{1C36DDE2-AA7B-4065-B99C-B2E5F3E5F004}" type="presParOf" srcId="{02317DFA-7D38-4DDE-8E1B-9277A9994909}" destId="{C26408AE-BEE2-498F-A235-70FB5E24F66A}" srcOrd="1" destOrd="0" presId="urn:microsoft.com/office/officeart/2005/8/layout/chevron1"/>
+    <dgm:cxn modelId="{D7EB8C11-26D8-4871-87CC-B8A3E7F38325}" type="presParOf" srcId="{02317DFA-7D38-4DDE-8E1B-9277A9994909}" destId="{127E17C8-AC37-4E28-9786-BF485DEC18ED}" srcOrd="2" destOrd="0" presId="urn:microsoft.com/office/officeart/2005/8/layout/chevron1"/>
+    <dgm:cxn modelId="{8DC49C04-605A-460C-BE88-E0CD5D1DEE52}" type="presParOf" srcId="{02317DFA-7D38-4DDE-8E1B-9277A9994909}" destId="{7796D102-CA7D-407F-850F-764A93B685ED}" srcOrd="3" destOrd="0" presId="urn:microsoft.com/office/officeart/2005/8/layout/chevron1"/>
+    <dgm:cxn modelId="{D747C861-EF2E-4180-8DB8-732F093F2B28}" type="presParOf" srcId="{02317DFA-7D38-4DDE-8E1B-9277A9994909}" destId="{8E205F81-76A3-4674-82A5-9F107FD5B672}" srcOrd="4" destOrd="0" presId="urn:microsoft.com/office/officeart/2005/8/layout/chevron1"/>
+    <dgm:cxn modelId="{BE10CE8D-871B-4B75-B2E6-C127EA55BD98}" type="presParOf" srcId="{02317DFA-7D38-4DDE-8E1B-9277A9994909}" destId="{5F103B0A-FD1C-4BA1-8248-4B23D044C637}" srcOrd="5" destOrd="0" presId="urn:microsoft.com/office/officeart/2005/8/layout/chevron1"/>
+    <dgm:cxn modelId="{74AF8F23-4259-426B-B192-6D4A4F998A42}" type="presParOf" srcId="{02317DFA-7D38-4DDE-8E1B-9277A9994909}" destId="{98BC3CEB-2D2A-46E2-B6CE-1B8AA474D756}" srcOrd="6" destOrd="0" presId="urn:microsoft.com/office/officeart/2005/8/layout/chevron1"/>
+  </dgm:cxnLst>
+  <dgm:bg/>
+  <dgm:whole/>
+  <dgm:extLst>
+    <a:ext uri="http://schemas.microsoft.com/office/drawing/2008/diagram">
+      <dsp:dataModelExt xmlns:dsp="http://schemas.microsoft.com/office/drawing/2008/diagram" relId="rId9" minVer="http://schemas.openxmlformats.org/drawingml/2006/diagram"/>
+    </a:ext>
+  </dgm:extLst>
+</dgm:dataModel>
+</file>
+
+<file path=ppt/diagrams/drawing1.xml><?xml version="1.0" encoding="utf-8"?>
+<dsp:drawing xmlns:dgm="http://schemas.openxmlformats.org/drawingml/2006/diagram" xmlns:dsp="http://schemas.microsoft.com/office/drawing/2008/diagram" xmlns:a="http://schemas.openxmlformats.org/drawingml/2006/main">
+  <dsp:spTree>
+    <dsp:nvGrpSpPr>
+      <dsp:cNvPr id="0" name=""/>
+      <dsp:cNvGrpSpPr/>
+    </dsp:nvGrpSpPr>
+    <dsp:grpSpPr/>
+    <dsp:sp modelId="{7464D451-65F7-4687-A042-364D3D027CBF}">
+      <dsp:nvSpPr>
+        <dsp:cNvPr id="0" name=""/>
+        <dsp:cNvSpPr/>
+      </dsp:nvSpPr>
+      <dsp:spPr>
+        <a:xfrm>
+          <a:off x="3770" y="200463"/>
+          <a:ext cx="2194718" cy="877887"/>
+        </a:xfrm>
+        <a:prstGeom prst="chevron">
+          <a:avLst/>
+        </a:prstGeom>
+        <a:solidFill>
+          <a:schemeClr val="accent1">
+            <a:hueOff val="0"/>
+            <a:satOff val="0"/>
+            <a:lumOff val="0"/>
+            <a:alphaOff val="0"/>
+          </a:schemeClr>
+        </a:solidFill>
+        <a:ln w="12700" cap="flat" cmpd="sng" algn="ctr">
+          <a:solidFill>
+            <a:schemeClr val="lt1">
+              <a:hueOff val="0"/>
+              <a:satOff val="0"/>
+              <a:lumOff val="0"/>
+              <a:alphaOff val="0"/>
+            </a:schemeClr>
+          </a:solidFill>
+          <a:prstDash val="solid"/>
+          <a:miter lim="800000"/>
+        </a:ln>
+        <a:effectLst/>
+      </dsp:spPr>
+      <dsp:style>
+        <a:lnRef idx="2">
+          <a:scrgbClr r="0" g="0" b="0"/>
+        </a:lnRef>
+        <a:fillRef idx="1">
+          <a:scrgbClr r="0" g="0" b="0"/>
+        </a:fillRef>
+        <a:effectRef idx="0">
+          <a:scrgbClr r="0" g="0" b="0"/>
+        </a:effectRef>
+        <a:fontRef idx="minor">
+          <a:schemeClr val="lt1"/>
+        </a:fontRef>
+      </dsp:style>
+      <dsp:txBody>
+        <a:bodyPr spcFirstLastPara="0" vert="horz" wrap="square" lIns="88011" tIns="29337" rIns="29337" bIns="29337" numCol="1" spcCol="1270" anchor="ctr" anchorCtr="0">
+          <a:noAutofit/>
+        </a:bodyPr>
+        <a:lstStyle/>
+        <a:p>
+          <a:pPr lvl="0" algn="ctr" defTabSz="977900">
+            <a:lnSpc>
+              <a:spcPct val="90000"/>
+            </a:lnSpc>
+            <a:spcBef>
+              <a:spcPct val="0"/>
+            </a:spcBef>
+            <a:spcAft>
+              <a:spcPct val="35000"/>
+            </a:spcAft>
+          </a:pPr>
+          <a:r>
+            <a:rPr lang="en-US" sz="2200" kern="1200" dirty="0" smtClean="0"/>
+            <a:t>Build project</a:t>
+          </a:r>
+          <a:endParaRPr lang="en-US" sz="2200" kern="1200" dirty="0"/>
+        </a:p>
+      </dsp:txBody>
+      <dsp:txXfrm>
+        <a:off x="442714" y="200463"/>
+        <a:ext cx="1316831" cy="877887"/>
+      </dsp:txXfrm>
+    </dsp:sp>
+    <dsp:sp modelId="{127E17C8-AC37-4E28-9786-BF485DEC18ED}">
+      <dsp:nvSpPr>
+        <dsp:cNvPr id="0" name=""/>
+        <dsp:cNvSpPr/>
+      </dsp:nvSpPr>
+      <dsp:spPr>
+        <a:xfrm>
+          <a:off x="1979017" y="200463"/>
+          <a:ext cx="2194718" cy="877887"/>
+        </a:xfrm>
+        <a:prstGeom prst="chevron">
+          <a:avLst/>
+        </a:prstGeom>
+        <a:solidFill>
+          <a:schemeClr val="accent1">
+            <a:hueOff val="0"/>
+            <a:satOff val="0"/>
+            <a:lumOff val="0"/>
+            <a:alphaOff val="0"/>
+          </a:schemeClr>
+        </a:solidFill>
+        <a:ln w="12700" cap="flat" cmpd="sng" algn="ctr">
+          <a:solidFill>
+            <a:schemeClr val="lt1">
+              <a:hueOff val="0"/>
+              <a:satOff val="0"/>
+              <a:lumOff val="0"/>
+              <a:alphaOff val="0"/>
+            </a:schemeClr>
+          </a:solidFill>
+          <a:prstDash val="solid"/>
+          <a:miter lim="800000"/>
+        </a:ln>
+        <a:effectLst/>
+      </dsp:spPr>
+      <dsp:style>
+        <a:lnRef idx="2">
+          <a:scrgbClr r="0" g="0" b="0"/>
+        </a:lnRef>
+        <a:fillRef idx="1">
+          <a:scrgbClr r="0" g="0" b="0"/>
+        </a:fillRef>
+        <a:effectRef idx="0">
+          <a:scrgbClr r="0" g="0" b="0"/>
+        </a:effectRef>
+        <a:fontRef idx="minor">
+          <a:schemeClr val="lt1"/>
+        </a:fontRef>
+      </dsp:style>
+      <dsp:txBody>
+        <a:bodyPr spcFirstLastPara="0" vert="horz" wrap="square" lIns="88011" tIns="29337" rIns="29337" bIns="29337" numCol="1" spcCol="1270" anchor="ctr" anchorCtr="0">
+          <a:noAutofit/>
+        </a:bodyPr>
+        <a:lstStyle/>
+        <a:p>
+          <a:pPr lvl="0" algn="ctr" defTabSz="977900">
+            <a:lnSpc>
+              <a:spcPct val="90000"/>
+            </a:lnSpc>
+            <a:spcBef>
+              <a:spcPct val="0"/>
+            </a:spcBef>
+            <a:spcAft>
+              <a:spcPct val="35000"/>
+            </a:spcAft>
+          </a:pPr>
+          <a:r>
+            <a:rPr lang="en-US" sz="2200" kern="1200" dirty="0" smtClean="0"/>
+            <a:t>Gather files</a:t>
+          </a:r>
+          <a:endParaRPr lang="en-US" sz="2200" kern="1200" dirty="0"/>
+        </a:p>
+      </dsp:txBody>
+      <dsp:txXfrm>
+        <a:off x="2417961" y="200463"/>
+        <a:ext cx="1316831" cy="877887"/>
+      </dsp:txXfrm>
+    </dsp:sp>
+    <dsp:sp modelId="{8E205F81-76A3-4674-82A5-9F107FD5B672}">
+      <dsp:nvSpPr>
+        <dsp:cNvPr id="0" name=""/>
+        <dsp:cNvSpPr/>
+      </dsp:nvSpPr>
+      <dsp:spPr>
+        <a:xfrm>
+          <a:off x="3954264" y="200463"/>
+          <a:ext cx="2194718" cy="877887"/>
+        </a:xfrm>
+        <a:prstGeom prst="chevron">
+          <a:avLst/>
+        </a:prstGeom>
+        <a:solidFill>
+          <a:schemeClr val="accent1">
+            <a:hueOff val="0"/>
+            <a:satOff val="0"/>
+            <a:lumOff val="0"/>
+            <a:alphaOff val="0"/>
+          </a:schemeClr>
+        </a:solidFill>
+        <a:ln w="12700" cap="flat" cmpd="sng" algn="ctr">
+          <a:solidFill>
+            <a:schemeClr val="lt1">
+              <a:hueOff val="0"/>
+              <a:satOff val="0"/>
+              <a:lumOff val="0"/>
+              <a:alphaOff val="0"/>
+            </a:schemeClr>
+          </a:solidFill>
+          <a:prstDash val="solid"/>
+          <a:miter lim="800000"/>
+        </a:ln>
+        <a:effectLst/>
+      </dsp:spPr>
+      <dsp:style>
+        <a:lnRef idx="2">
+          <a:scrgbClr r="0" g="0" b="0"/>
+        </a:lnRef>
+        <a:fillRef idx="1">
+          <a:scrgbClr r="0" g="0" b="0"/>
+        </a:fillRef>
+        <a:effectRef idx="0">
+          <a:scrgbClr r="0" g="0" b="0"/>
+        </a:effectRef>
+        <a:fontRef idx="minor">
+          <a:schemeClr val="lt1"/>
+        </a:fontRef>
+      </dsp:style>
+      <dsp:txBody>
+        <a:bodyPr spcFirstLastPara="0" vert="horz" wrap="square" lIns="88011" tIns="29337" rIns="29337" bIns="29337" numCol="1" spcCol="1270" anchor="ctr" anchorCtr="0">
+          <a:noAutofit/>
+        </a:bodyPr>
+        <a:lstStyle/>
+        <a:p>
+          <a:pPr lvl="0" algn="ctr" defTabSz="977900">
+            <a:lnSpc>
+              <a:spcPct val="90000"/>
+            </a:lnSpc>
+            <a:spcBef>
+              <a:spcPct val="0"/>
+            </a:spcBef>
+            <a:spcAft>
+              <a:spcPct val="35000"/>
+            </a:spcAft>
+          </a:pPr>
+          <a:r>
+            <a:rPr lang="en-US" sz="2200" kern="1200" dirty="0" smtClean="0"/>
+            <a:t>Transform files</a:t>
+          </a:r>
+          <a:endParaRPr lang="en-US" sz="2200" kern="1200" dirty="0"/>
+        </a:p>
+      </dsp:txBody>
+      <dsp:txXfrm>
+        <a:off x="4393208" y="200463"/>
+        <a:ext cx="1316831" cy="877887"/>
+      </dsp:txXfrm>
+    </dsp:sp>
+    <dsp:sp modelId="{98BC3CEB-2D2A-46E2-B6CE-1B8AA474D756}">
+      <dsp:nvSpPr>
+        <dsp:cNvPr id="0" name=""/>
+        <dsp:cNvSpPr/>
+      </dsp:nvSpPr>
+      <dsp:spPr>
+        <a:xfrm>
+          <a:off x="5929510" y="200463"/>
+          <a:ext cx="2194718" cy="877887"/>
+        </a:xfrm>
+        <a:prstGeom prst="chevron">
+          <a:avLst/>
+        </a:prstGeom>
+        <a:solidFill>
+          <a:schemeClr val="accent1">
+            <a:hueOff val="0"/>
+            <a:satOff val="0"/>
+            <a:lumOff val="0"/>
+            <a:alphaOff val="0"/>
+          </a:schemeClr>
+        </a:solidFill>
+        <a:ln w="12700" cap="flat" cmpd="sng" algn="ctr">
+          <a:solidFill>
+            <a:schemeClr val="lt1">
+              <a:hueOff val="0"/>
+              <a:satOff val="0"/>
+              <a:lumOff val="0"/>
+              <a:alphaOff val="0"/>
+            </a:schemeClr>
+          </a:solidFill>
+          <a:prstDash val="solid"/>
+          <a:miter lim="800000"/>
+        </a:ln>
+        <a:effectLst/>
+      </dsp:spPr>
+      <dsp:style>
+        <a:lnRef idx="2">
+          <a:scrgbClr r="0" g="0" b="0"/>
+        </a:lnRef>
+        <a:fillRef idx="1">
+          <a:scrgbClr r="0" g="0" b="0"/>
+        </a:fillRef>
+        <a:effectRef idx="0">
+          <a:scrgbClr r="0" g="0" b="0"/>
+        </a:effectRef>
+        <a:fontRef idx="minor">
+          <a:schemeClr val="lt1"/>
+        </a:fontRef>
+      </dsp:style>
+      <dsp:txBody>
+        <a:bodyPr spcFirstLastPara="0" vert="horz" wrap="square" lIns="88011" tIns="29337" rIns="29337" bIns="29337" numCol="1" spcCol="1270" anchor="ctr" anchorCtr="0">
+          <a:noAutofit/>
+        </a:bodyPr>
+        <a:lstStyle/>
+        <a:p>
+          <a:pPr lvl="0" algn="ctr" defTabSz="977900">
+            <a:lnSpc>
+              <a:spcPct val="90000"/>
+            </a:lnSpc>
+            <a:spcBef>
+              <a:spcPct val="0"/>
+            </a:spcBef>
+            <a:spcAft>
+              <a:spcPct val="35000"/>
+            </a:spcAft>
+          </a:pPr>
+          <a:r>
+            <a:rPr lang="en-US" sz="2200" kern="1200" dirty="0" smtClean="0"/>
+            <a:t>Publish</a:t>
+          </a:r>
+          <a:endParaRPr lang="en-US" sz="2200" kern="1200" dirty="0"/>
+        </a:p>
+      </dsp:txBody>
+      <dsp:txXfrm>
+        <a:off x="6368454" y="200463"/>
+        <a:ext cx="1316831" cy="877887"/>
+      </dsp:txXfrm>
+    </dsp:sp>
+  </dsp:spTree>
+</dsp:drawing>
+</file>
+
+<file path=ppt/diagrams/layout1.xml><?xml version="1.0" encoding="utf-8"?>
+<dgm:layoutDef xmlns:dgm="http://schemas.openxmlformats.org/drawingml/2006/diagram" xmlns:a="http://schemas.openxmlformats.org/drawingml/2006/main" uniqueId="urn:microsoft.com/office/officeart/2005/8/layout/chevron1">
+  <dgm:title val=""/>
+  <dgm:desc val=""/>
+  <dgm:catLst>
+    <dgm:cat type="process" pri="9000"/>
+  </dgm:catLst>
+  <dgm:sampData useDef="1">
+    <dgm:dataModel>
+      <dgm:ptLst/>
+      <dgm:bg/>
+      <dgm:whole/>
+    </dgm:dataModel>
+  </dgm:sampData>
+  <dgm:styleData>
+    <dgm:dataModel>
+      <dgm:ptLst>
+        <dgm:pt modelId="0" type="doc"/>
+        <dgm:pt modelId="1"/>
+        <dgm:pt modelId="2"/>
+      </dgm:ptLst>
+      <dgm:cxnLst>
+        <dgm:cxn modelId="3" srcId="0" destId="1" srcOrd="0" destOrd="0"/>
+        <dgm:cxn modelId="4" srcId="0" destId="2" srcOrd="1" destOrd="0"/>
+      </dgm:cxnLst>
+      <dgm:bg/>
+      <dgm:whole/>
+    </dgm:dataModel>
+  </dgm:styleData>
+  <dgm:clrData>
+    <dgm:dataModel>
+      <dgm:ptLst>
+        <dgm:pt modelId="0" type="doc"/>
+        <dgm:pt modelId="1"/>
+        <dgm:pt modelId="2"/>
+        <dgm:pt modelId="3"/>
+        <dgm:pt modelId="4"/>
+      </dgm:ptLst>
+      <dgm:cxnLst>
+        <dgm:cxn modelId="5" srcId="0" destId="1" srcOrd="0" destOrd="0"/>
+        <dgm:cxn modelId="6" srcId="0" destId="2" srcOrd="1" destOrd="0"/>
+        <dgm:cxn modelId="7" srcId="0" destId="3" srcOrd="2" destOrd="0"/>
+        <dgm:cxn modelId="8" srcId="0" destId="4" srcOrd="3" destOrd="0"/>
+      </dgm:cxnLst>
+      <dgm:bg/>
+      <dgm:whole/>
+    </dgm:dataModel>
+  </dgm:clrData>
+  <dgm:layoutNode name="Name0">
+    <dgm:varLst>
+      <dgm:dir/>
+      <dgm:animLvl val="lvl"/>
+      <dgm:resizeHandles val="exact"/>
+    </dgm:varLst>
+    <dgm:choose name="Name1">
+      <dgm:if name="Name2" func="var" arg="dir" op="equ" val="norm">
+        <dgm:alg type="lin"/>
+      </dgm:if>
+      <dgm:else name="Name3">
+        <dgm:alg type="lin">
+          <dgm:param type="linDir" val="fromR"/>
+        </dgm:alg>
+      </dgm:else>
+    </dgm:choose>
+    <dgm:shape xmlns:r="http://schemas.openxmlformats.org/officeDocument/2006/relationships" r:blip="">
+      <dgm:adjLst/>
+    </dgm:shape>
+    <dgm:presOf/>
+    <dgm:choose name="Name4">
+      <dgm:if name="Name5" axis="des" func="maxDepth" op="gte" val="2">
+        <dgm:constrLst>
+          <dgm:constr type="h" for="ch" forName="composite" refType="h"/>
+          <dgm:constr type="w" for="ch" forName="composite" refType="w"/>
+          <dgm:constr type="w" for="des" forName="parTx"/>
+          <dgm:constr type="h" for="des" forName="parTx" op="equ"/>
+          <dgm:constr type="w" for="des" forName="desTx"/>
+          <dgm:constr type="h" for="des" forName="desTx" op="equ"/>
+          <dgm:constr type="primFontSz" for="des" forName="parTx" val="65"/>
+          <dgm:constr type="secFontSz" for="des" forName="desTx" refType="primFontSz" refFor="des" refForName="parTx" op="equ"/>
+          <dgm:constr type="h" for="des" forName="parTx" refType="primFontSz" refFor="des" refForName="parTx" fact="1.5"/>
+          <dgm:constr type="h" for="des" forName="desTx" refType="primFontSz" refFor="des" refForName="parTx" fact="0.5"/>
+          <dgm:constr type="w" for="ch" forName="space" op="equ" val="-6"/>
+        </dgm:constrLst>
+        <dgm:ruleLst>
+          <dgm:rule type="w" for="ch" forName="composite" val="0" fact="NaN" max="NaN"/>
+          <dgm:rule type="primFontSz" for="des" forName="parTx" val="5" fact="NaN" max="NaN"/>
+        </dgm:ruleLst>
+        <dgm:forEach name="Name6" axis="ch" ptType="node">
+          <dgm:layoutNode name="composite">
+            <dgm:alg type="composite"/>
+            <dgm:shape xmlns:r="http://schemas.openxmlformats.org/officeDocument/2006/relationships" r:blip="">
+              <dgm:adjLst/>
+            </dgm:shape>
+            <dgm:presOf/>
+            <dgm:choose name="Name7">
+              <dgm:if name="Name8" func="var" arg="dir" op="equ" val="norm">
+                <dgm:constrLst>
+                  <dgm:constr type="l" for="ch" forName="parTx"/>
+                  <dgm:constr type="w" for="ch" forName="parTx" refType="w"/>
+                  <dgm:constr type="t" for="ch" forName="parTx"/>
+                  <dgm:constr type="l" for="ch" forName="desTx"/>
+                  <dgm:constr type="w" for="ch" forName="desTx" refType="w" refFor="ch" refForName="parTx" fact="0.8"/>
+                  <dgm:constr type="t" for="ch" forName="desTx" refType="h" refFor="ch" refForName="parTx" fact="1.125"/>
+                </dgm:constrLst>
+              </dgm:if>
+              <dgm:else name="Name9">
+                <dgm:constrLst>
+                  <dgm:constr type="l" for="ch" forName="parTx"/>
+                  <dgm:constr type="w" for="ch" forName="parTx" refType="w"/>
+                  <dgm:constr type="t" for="ch" forName="parTx"/>
+                  <dgm:constr type="l" for="ch" forName="desTx" refType="w" fact="0.2"/>
+                  <dgm:constr type="w" for="ch" forName="desTx" refType="w" refFor="ch" refForName="parTx" fact="0.8"/>
+                  <dgm:constr type="t" for="ch" forName="desTx" refType="h" refFor="ch" refForName="parTx" fact="1.125"/>
+                </dgm:constrLst>
+              </dgm:else>
+            </dgm:choose>
+            <dgm:ruleLst>
+              <dgm:rule type="h" val="INF" fact="NaN" max="NaN"/>
+            </dgm:ruleLst>
+            <dgm:layoutNode name="parTx">
+              <dgm:varLst>
+                <dgm:chMax val="0"/>
+                <dgm:chPref val="0"/>
+                <dgm:bulletEnabled val="1"/>
+              </dgm:varLst>
+              <dgm:alg type="tx"/>
+              <dgm:choose name="Name10">
+                <dgm:if name="Name11" func="var" arg="dir" op="equ" val="norm">
+                  <dgm:shape xmlns:r="http://schemas.openxmlformats.org/officeDocument/2006/relationships" type="chevron" r:blip="">
+                    <dgm:adjLst/>
+                  </dgm:shape>
+                </dgm:if>
+                <dgm:else name="Name12">
+                  <dgm:shape xmlns:r="http://schemas.openxmlformats.org/officeDocument/2006/relationships" rot="180" type="chevron" r:blip="">
+                    <dgm:adjLst/>
+                  </dgm:shape>
+                </dgm:else>
+              </dgm:choose>
+              <dgm:presOf axis="self" ptType="node"/>
+              <dgm:choose name="Name13">
+                <dgm:if name="Name14" func="var" arg="dir" op="equ" val="norm">
+                  <dgm:constrLst>
+                    <dgm:constr type="h" refType="w" op="lte" fact="0.4"/>
+                    <dgm:constr type="h"/>
+                    <dgm:constr type="tMarg" refType="primFontSz" fact="0.105"/>
+                    <dgm:constr type="bMarg" refType="primFontSz" fact="0.105"/>
+                    <dgm:constr type="lMarg" refType="primFontSz" fact="0.315"/>
+                    <dgm:constr type="rMarg" refType="primFontSz" fact="0.105"/>
+                  </dgm:constrLst>
+                </dgm:if>
+                <dgm:else name="Name15">
+                  <dgm:constrLst>
+                    <dgm:constr type="h" refType="w" op="lte" fact="0.4"/>
+                    <dgm:constr type="h"/>
+                    <dgm:constr type="tMarg" refType="primFontSz" fact="0.105"/>
+                    <dgm:constr type="bMarg" refType="primFontSz" fact="0.105"/>
+                    <dgm:constr type="lMarg" refType="primFontSz" fact="0.105"/>
+                    <dgm:constr type="rMarg" refType="primFontSz" fact="0.315"/>
+                  </dgm:constrLst>
+                </dgm:else>
+              </dgm:choose>
+              <dgm:ruleLst>
+                <dgm:rule type="h" val="INF" fact="NaN" max="NaN"/>
+              </dgm:ruleLst>
+            </dgm:layoutNode>
+            <dgm:layoutNode name="desTx" styleLbl="revTx">
+              <dgm:varLst>
+                <dgm:bulletEnabled val="1"/>
+              </dgm:varLst>
+              <dgm:alg type="tx">
+                <dgm:param type="stBulletLvl" val="1"/>
+              </dgm:alg>
+              <dgm:choose name="Name16">
+                <dgm:if name="Name17" axis="ch" ptType="node" func="cnt" op="gte" val="1">
+                  <dgm:shape xmlns:r="http://schemas.openxmlformats.org/officeDocument/2006/relationships" type="rect" r:blip="">
+                    <dgm:adjLst/>
+                  </dgm:shape>
+                </dgm:if>
+                <dgm:else name="Name18">
+                  <dgm:shape xmlns:r="http://schemas.openxmlformats.org/officeDocument/2006/relationships" type="rect" r:blip="" hideGeom="1">
+                    <dgm:adjLst/>
+                  </dgm:shape>
+                </dgm:else>
+              </dgm:choose>
+              <dgm:presOf axis="des" ptType="node"/>
+              <dgm:constrLst>
+                <dgm:constr type="secFontSz" val="65"/>
+                <dgm:constr type="primFontSz" refType="secFontSz"/>
+                <dgm:constr type="h"/>
+                <dgm:constr type="tMarg"/>
+                <dgm:constr type="bMarg"/>
+                <dgm:constr type="rMarg"/>
+                <dgm:constr type="lMarg"/>
+              </dgm:constrLst>
+              <dgm:ruleLst>
+                <dgm:rule type="h" val="INF" fact="NaN" max="NaN"/>
+              </dgm:ruleLst>
+            </dgm:layoutNode>
+          </dgm:layoutNode>
+          <dgm:forEach name="Name19" axis="followSib" ptType="sibTrans" cnt="1">
+            <dgm:layoutNode name="space">
+              <dgm:alg type="sp"/>
+              <dgm:shape xmlns:r="http://schemas.openxmlformats.org/officeDocument/2006/relationships" r:blip="">
+                <dgm:adjLst/>
+              </dgm:shape>
+              <dgm:presOf/>
+              <dgm:constrLst/>
+              <dgm:ruleLst/>
+            </dgm:layoutNode>
+          </dgm:forEach>
+        </dgm:forEach>
+      </dgm:if>
+      <dgm:else name="Name20">
+        <dgm:constrLst>
+          <dgm:constr type="w" for="ch" forName="parTxOnly" refType="w"/>
+          <dgm:constr type="h" for="des" forName="parTxOnly" op="equ"/>
+          <dgm:constr type="primFontSz" for="des" forName="parTxOnly" op="equ" val="65"/>
+          <dgm:constr type="w" for="ch" forName="parTxOnlySpace" refType="w" refFor="ch" refForName="parTxOnly" fact="-0.1"/>
+        </dgm:constrLst>
+        <dgm:ruleLst/>
+        <dgm:forEach name="Name21" axis="ch" ptType="node">
+          <dgm:layoutNode name="parTxOnly">
+            <dgm:varLst>
+              <dgm:chMax val="0"/>
+              <dgm:chPref val="0"/>
+              <dgm:bulletEnabled val="1"/>
+            </dgm:varLst>
+            <dgm:alg type="tx"/>
+            <dgm:choose name="Name22">
+              <dgm:if name="Name23" func="var" arg="dir" op="equ" val="norm">
+                <dgm:shape xmlns:r="http://schemas.openxmlformats.org/officeDocument/2006/relationships" type="chevron" r:blip="">
+                  <dgm:adjLst/>
+                </dgm:shape>
+              </dgm:if>
+              <dgm:else name="Name24">
+                <dgm:shape xmlns:r="http://schemas.openxmlformats.org/officeDocument/2006/relationships" rot="180" type="chevron" r:blip="">
+                  <dgm:adjLst/>
+                </dgm:shape>
+              </dgm:else>
+            </dgm:choose>
+            <dgm:presOf axis="self" ptType="node"/>
+            <dgm:choose name="Name25">
+              <dgm:if name="Name26" func="var" arg="dir" op="equ" val="norm">
+                <dgm:constrLst>
+                  <dgm:constr type="h" refType="w" op="equ" fact="0.4"/>
+                  <dgm:constr type="tMarg" refType="primFontSz" fact="0.105"/>
+                  <dgm:constr type="bMarg" refType="primFontSz" fact="0.105"/>
+                  <dgm:constr type="lMarg" refType="primFontSz" fact="0.315"/>
+                  <dgm:constr type="rMarg" refType="primFontSz" fact="0.105"/>
+                </dgm:constrLst>
+              </dgm:if>
+              <dgm:else name="Name27">
+                <dgm:constrLst>
+                  <dgm:constr type="h" refType="w" op="equ" fact="0.4"/>
+                  <dgm:constr type="tMarg" refType="primFontSz" fact="0.105"/>
+                  <dgm:constr type="bMarg" refType="primFontSz" fact="0.105"/>
+                  <dgm:constr type="lMarg" refType="primFontSz" fact="0.105"/>
+                  <dgm:constr type="rMarg" refType="primFontSz" fact="0.315"/>
+                </dgm:constrLst>
+              </dgm:else>
+            </dgm:choose>
+            <dgm:ruleLst>
+              <dgm:rule type="primFontSz" val="5" fact="NaN" max="NaN"/>
+            </dgm:ruleLst>
+          </dgm:layoutNode>
+          <dgm:forEach name="Name28" axis="followSib" ptType="sibTrans" cnt="1">
+            <dgm:layoutNode name="parTxOnlySpace">
+              <dgm:alg type="sp"/>
+              <dgm:shape xmlns:r="http://schemas.openxmlformats.org/officeDocument/2006/relationships" r:blip="">
+                <dgm:adjLst/>
+              </dgm:shape>
+              <dgm:presOf/>
+              <dgm:constrLst/>
+              <dgm:ruleLst/>
+            </dgm:layoutNode>
+          </dgm:forEach>
+        </dgm:forEach>
+      </dgm:else>
+    </dgm:choose>
+  </dgm:layoutNode>
+</dgm:layoutDef>
+</file>
+
+<file path=ppt/diagrams/quickStyle1.xml><?xml version="1.0" encoding="utf-8"?>
+<dgm:styleDef xmlns:dgm="http://schemas.openxmlformats.org/drawingml/2006/diagram" xmlns:a="http://schemas.openxmlformats.org/drawingml/2006/main" uniqueId="urn:microsoft.com/office/officeart/2005/8/quickstyle/simple1">
+  <dgm:title val=""/>
+  <dgm:desc val=""/>
+  <dgm:catLst>
+    <dgm:cat type="simple" pri="10100"/>
+  </dgm:catLst>
+  <dgm:scene3d>
+    <a:camera prst="orthographicFront"/>
+    <a:lightRig rig="threePt" dir="t"/>
+  </dgm:scene3d>
+  <dgm:styleLbl name="node0">
+    <dgm:scene3d>
+      <a:camera prst="orthographicFront"/>
+      <a:lightRig rig="threePt" dir="t"/>
+    </dgm:scene3d>
+    <dgm:sp3d/>
+    <dgm:txPr/>
+    <dgm:style>
+      <a:lnRef idx="2">
+        <a:scrgbClr r="0" g="0" b="0"/>
+      </a:lnRef>
+      <a:fillRef idx="1">
+        <a:scrgbClr r="0" g="0" b="0"/>
+      </a:fillRef>
+      <a:effectRef idx="0">
+        <a:scrgbClr r="0" g="0" b="0"/>
+      </a:effectRef>
+      <a:fontRef idx="minor">
+        <a:schemeClr val="lt1"/>
+      </a:fontRef>
+    </dgm:style>
+  </dgm:styleLbl>
+  <dgm:styleLbl name="lnNode1">
+    <dgm:scene3d>
+      <a:camera prst="orthographicFront"/>
+      <a:lightRig rig="threePt" dir="t"/>
+    </dgm:scene3d>
+    <dgm:sp3d/>
+    <dgm:txPr/>
+    <dgm:style>
+      <a:lnRef idx="2">
+        <a:scrgbClr r="0" g="0" b="0"/>
+      </a:lnRef>
+      <a:fillRef idx="1">
+        <a:scrgbClr r="0" g="0" b="0"/>
+      </a:fillRef>
+      <a:effectRef idx="0">
+        <a:scrgbClr r="0" g="0" b="0"/>
+      </a:effectRef>
+      <a:fontRef idx="minor">
+        <a:schemeClr val="lt1"/>
+      </a:fontRef>
+    </dgm:style>
+  </dgm:styleLbl>
+  <dgm:styleLbl name="vennNode1">
+    <dgm:scene3d>
+      <a:camera prst="orthographicFront"/>
+      <a:lightRig rig="threePt" dir="t"/>
+    </dgm:scene3d>
+    <dgm:sp3d/>
+    <dgm:txPr/>
+    <dgm:style>
+      <a:lnRef idx="2">
+        <a:scrgbClr r="0" g="0" b="0"/>
+      </a:lnRef>
+      <a:fillRef idx="1">
+        <a:scrgbClr r="0" g="0" b="0"/>
+      </a:fillRef>
+      <a:effectRef idx="0">
+        <a:scrgbClr r="0" g="0" b="0"/>
+      </a:effectRef>
+      <a:fontRef idx="minor">
+        <a:schemeClr val="tx1"/>
+      </a:fontRef>
+    </dgm:style>
+  </dgm:styleLbl>
+  <dgm:styleLbl name="alignNode1">
+    <dgm:scene3d>
+      <a:camera prst="orthographicFront"/>
+      <a:lightRig rig="threePt" dir="t"/>
+    </dgm:scene3d>
+    <dgm:sp3d/>
+    <dgm:txPr/>
+    <dgm:style>
+      <a:lnRef idx="2">
+        <a:scrgbClr r="0" g="0" b="0"/>
+      </a:lnRef>
+      <a:fillRef idx="1">
+        <a:scrgbClr r="0" g="0" b="0"/>
+      </a:fillRef>
+      <a:effectRef idx="0">
+        <a:scrgbClr r="0" g="0" b="0"/>
+      </a:effectRef>
+      <a:fontRef idx="minor">
+        <a:schemeClr val="lt1"/>
+      </a:fontRef>
+    </dgm:style>
+  </dgm:styleLbl>
+  <dgm:styleLbl name="node1">
+    <dgm:scene3d>
+      <a:camera prst="orthographicFront"/>
+      <a:lightRig rig="threePt" dir="t"/>
+    </dgm:scene3d>
+    <dgm:sp3d/>
+    <dgm:txPr/>
+    <dgm:style>
+      <a:lnRef idx="2">
+        <a:scrgbClr r="0" g="0" b="0"/>
+      </a:lnRef>
+      <a:fillRef idx="1">
+        <a:scrgbClr r="0" g="0" b="0"/>
+      </a:fillRef>
+      <a:effectRef idx="0">
+        <a:scrgbClr r="0" g="0" b="0"/>
+      </a:effectRef>
+      <a:fontRef idx="minor">
+        <a:schemeClr val="lt1"/>
+      </a:fontRef>
+    </dgm:style>
+  </dgm:styleLbl>
+  <dgm:styleLbl name="node2">
+    <dgm:scene3d>
+      <a:camera prst="orthographicFront"/>
+      <a:lightRig rig="threePt" dir="t"/>
+    </dgm:scene3d>
+    <dgm:sp3d/>
+    <dgm:txPr/>
+    <dgm:style>
+      <a:lnRef idx="2">
+        <a:scrgbClr r="0" g="0" b="0"/>
+      </a:lnRef>
+      <a:fillRef idx="1">
+        <a:scrgbClr r="0" g="0" b="0"/>
+      </a:fillRef>
+      <a:effectRef idx="0">
+        <a:scrgbClr r="0" g="0" b="0"/>
+      </a:effectRef>
+      <a:fontRef idx="minor">
+        <a:schemeClr val="lt1"/>
+      </a:fontRef>
+    </dgm:style>
+  </dgm:styleLbl>
+  <dgm:styleLbl name="node3">
+    <dgm:scene3d>
+      <a:camera prst="orthographicFront"/>
+      <a:lightRig rig="threePt" dir="t"/>
+    </dgm:scene3d>
+    <dgm:sp3d/>
+    <dgm:txPr/>
+    <dgm:style>
+      <a:lnRef idx="2">
+        <a:scrgbClr r="0" g="0" b="0"/>
+      </a:lnRef>
+      <a:fillRef idx="1">
+        <a:scrgbClr r="0" g="0" b="0"/>
+      </a:fillRef>
+      <a:effectRef idx="0">
+        <a:scrgbClr r="0" g="0" b="0"/>
+      </a:effectRef>
+      <a:fontRef idx="minor">
+        <a:schemeClr val="lt1"/>
+      </a:fontRef>
+    </dgm:style>
+  </dgm:styleLbl>
+  <dgm:styleLbl name="node4">
+    <dgm:scene3d>
+      <a:camera prst="orthographicFront"/>
+      <a:lightRig rig="threePt" dir="t"/>
+    </dgm:scene3d>
+    <dgm:sp3d/>
+    <dgm:txPr/>
+    <dgm:style>
+      <a:lnRef idx="2">
+        <a:scrgbClr r="0" g="0" b="0"/>
+      </a:lnRef>
+      <a:fillRef idx="1">
+        <a:scrgbClr r="0" g="0" b="0"/>
+      </a:fillRef>
+      <a:effectRef idx="0">
+        <a:scrgbClr r="0" g="0" b="0"/>
+      </a:effectRef>
+      <a:fontRef idx="minor">
+        <a:schemeClr val="lt1"/>
+      </a:fontRef>
+    </dgm:style>
+  </dgm:styleLbl>
+  <dgm:styleLbl name="fgImgPlace1">
+    <dgm:scene3d>
+      <a:camera prst="orthographicFront"/>
+      <a:lightRig rig="threePt" dir="t"/>
+    </dgm:scene3d>
+    <dgm:sp3d/>
+    <dgm:txPr/>
+    <dgm:style>
+      <a:lnRef idx="2">
+        <a:scrgbClr r="0" g="0" b="0"/>
+      </a:lnRef>
+      <a:fillRef idx="1">
+        <a:scrgbClr r="0" g="0" b="0"/>
+      </a:fillRef>
+      <a:effectRef idx="0">
+        <a:scrgbClr r="0" g="0" b="0"/>
+      </a:effectRef>
+      <a:fontRef idx="minor"/>
+    </dgm:style>
+  </dgm:styleLbl>
+  <dgm:styleLbl name="alignImgPlace1">
+    <dgm:scene3d>
+      <a:camera prst="orthographicFront"/>
+      <a:lightRig rig="threePt" dir="t"/>
+    </dgm:scene3d>
+    <dgm:sp3d/>
+    <dgm:txPr/>
+    <dgm:style>
+      <a:lnRef idx="2">
+        <a:scrgbClr r="0" g="0" b="0"/>
+      </a:lnRef>
+      <a:fillRef idx="1">
+        <a:scrgbClr r="0" g="0" b="0"/>
+      </a:fillRef>
+      <a:effectRef idx="0">
+        <a:scrgbClr r="0" g="0" b="0"/>
+      </a:effectRef>
+      <a:fontRef idx="minor"/>
+    </dgm:style>
+  </dgm:styleLbl>
+  <dgm:styleLbl name="bgImgPlace1">
+    <dgm:scene3d>
+      <a:camera prst="orthographicFront"/>
+      <a:lightRig rig="threePt" dir="t"/>
+    </dgm:scene3d>
+    <dgm:sp3d/>
+    <dgm:txPr/>
+    <dgm:style>
+      <a:lnRef idx="2">
+        <a:scrgbClr r="0" g="0" b="0"/>
+      </a:lnRef>
+      <a:fillRef idx="1">
+        <a:scrgbClr r="0" g="0" b="0"/>
+      </a:fillRef>
+      <a:effectRef idx="0">
+        <a:scrgbClr r="0" g="0" b="0"/>
+      </a:effectRef>
+      <a:fontRef idx="minor"/>
+    </dgm:style>
+  </dgm:styleLbl>
+  <dgm:styleLbl name="sibTrans2D1">
+    <dgm:scene3d>
+      <a:camera prst="orthographicFront"/>
+      <a:lightRig rig="threePt" dir="t"/>
+    </dgm:scene3d>
+    <dgm:sp3d/>
+    <dgm:txPr/>
+    <dgm:style>
+      <a:lnRef idx="0">
+        <a:scrgbClr r="0" g="0" b="0"/>
+      </a:lnRef>
+      <a:fillRef idx="1">
+        <a:scrgbClr r="0" g="0" b="0"/>
+      </a:fillRef>
+      <a:effectRef idx="0">
+        <a:scrgbClr r="0" g="0" b="0"/>
+      </a:effectRef>
+      <a:fontRef idx="minor">
+        <a:schemeClr val="lt1"/>
+      </a:fontRef>
+    </dgm:style>
+  </dgm:styleLbl>
+  <dgm:styleLbl name="fgSibTrans2D1">
+    <dgm:scene3d>
+      <a:camera prst="orthographicFront"/>
+      <a:lightRig rig="threePt" dir="t"/>
+    </dgm:scene3d>
+    <dgm:sp3d/>
+    <dgm:txPr/>
+    <dgm:style>
+      <a:lnRef idx="0">
+        <a:scrgbClr r="0" g="0" b="0"/>
+      </a:lnRef>
+      <a:fillRef idx="1">
+        <a:scrgbClr r="0" g="0" b="0"/>
+      </a:fillRef>
+      <a:effectRef idx="0">
+        <a:scrgbClr r="0" g="0" b="0"/>
+      </a:effectRef>
+      <a:fontRef idx="minor">
+        <a:schemeClr val="lt1"/>
+      </a:fontRef>
+    </dgm:style>
+  </dgm:styleLbl>
+  <dgm:styleLbl name="bgSibTrans2D1">
+    <dgm:scene3d>
+      <a:camera prst="orthographicFront"/>
+      <a:lightRig rig="threePt" dir="t"/>
+    </dgm:scene3d>
+    <dgm:sp3d/>
+    <dgm:txPr/>
+    <dgm:style>
+      <a:lnRef idx="0">
+        <a:scrgbClr r="0" g="0" b="0"/>
+      </a:lnRef>
+      <a:fillRef idx="1">
+        <a:scrgbClr r="0" g="0" b="0"/>
+      </a:fillRef>
+      <a:effectRef idx="0">
+        <a:scrgbClr r="0" g="0" b="0"/>
+      </a:effectRef>
+      <a:fontRef idx="minor">
+        <a:schemeClr val="lt1"/>
+      </a:fontRef>
+    </dgm:style>
+  </dgm:styleLbl>
+  <dgm:styleLbl name="sibTrans1D1">
+    <dgm:scene3d>
+      <a:camera prst="orthographicFront"/>
+      <a:lightRig rig="threePt" dir="t"/>
+    </dgm:scene3d>
+    <dgm:sp3d/>
+    <dgm:txPr/>
+    <dgm:style>
+      <a:lnRef idx="1">
+        <a:scrgbClr r="0" g="0" b="0"/>
+      </a:lnRef>
+      <a:fillRef idx="0">
+        <a:scrgbClr r="0" g="0" b="0"/>
+      </a:fillRef>
+      <a:effectRef idx="0">
+        <a:scrgbClr r="0" g="0" b="0"/>
+      </a:effectRef>
+      <a:fontRef idx="minor"/>
+    </dgm:style>
+  </dgm:styleLbl>
+  <dgm:styleLbl name="callout">
+    <dgm:scene3d>
+      <a:camera prst="orthographicFront"/>
+      <a:lightRig rig="threePt" dir="t"/>
+    </dgm:scene3d>
+    <dgm:sp3d/>
+    <dgm:txPr/>
+    <dgm:style>
+      <a:lnRef idx="2">
+        <a:scrgbClr r="0" g="0" b="0"/>
+      </a:lnRef>
+      <a:fillRef idx="1">
+        <a:scrgbClr r="0" g="0" b="0"/>
+      </a:fillRef>
+      <a:effectRef idx="0">
+        <a:scrgbClr r="0" g="0" b="0"/>
+      </a:effectRef>
+      <a:fontRef idx="minor"/>
+    </dgm:style>
+  </dgm:styleLbl>
+  <dgm:styleLbl name="asst0">
+    <dgm:scene3d>
+      <a:camera prst="orthographicFront"/>
+      <a:lightRig rig="threePt" dir="t"/>
+    </dgm:scene3d>
+    <dgm:sp3d/>
+    <dgm:txPr/>
+    <dgm:style>
+      <a:lnRef idx="2">
+        <a:scrgbClr r="0" g="0" b="0"/>
+      </a:lnRef>
+      <a:fillRef idx="1">
+        <a:scrgbClr r="0" g="0" b="0"/>
+      </a:fillRef>
+      <a:effectRef idx="0">
+        <a:scrgbClr r="0" g="0" b="0"/>
+      </a:effectRef>
+      <a:fontRef idx="minor">
+        <a:schemeClr val="lt1"/>
+      </a:fontRef>
+    </dgm:style>
+  </dgm:styleLbl>
+  <dgm:styleLbl name="asst1">
+    <dgm:scene3d>
+      <a:camera prst="orthographicFront"/>
+      <a:lightRig rig="threePt" dir="t"/>
+    </dgm:scene3d>
+    <dgm:sp3d/>
+    <dgm:txPr/>
+    <dgm:style>
+      <a:lnRef idx="2">
+        <a:scrgbClr r="0" g="0" b="0"/>
+      </a:lnRef>
+      <a:fillRef idx="1">
+        <a:scrgbClr r="0" g="0" b="0"/>
+      </a:fillRef>
+      <a:effectRef idx="0">
+        <a:scrgbClr r="0" g="0" b="0"/>
+      </a:effectRef>
+      <a:fontRef idx="minor">
+        <a:schemeClr val="lt1"/>
+      </a:fontRef>
+    </dgm:style>
+  </dgm:styleLbl>
+  <dgm:styleLbl name="asst2">
+    <dgm:scene3d>
+      <a:camera prst="orthographicFront"/>
+      <a:lightRig rig="threePt" dir="t"/>
+    </dgm:scene3d>
+    <dgm:sp3d/>
+    <dgm:txPr/>
+    <dgm:style>
+      <a:lnRef idx="2">
+        <a:scrgbClr r="0" g="0" b="0"/>
+      </a:lnRef>
+      <a:fillRef idx="1">
+        <a:scrgbClr r="0" g="0" b="0"/>
+      </a:fillRef>
+      <a:effectRef idx="0">
+        <a:scrgbClr r="0" g="0" b="0"/>
+      </a:effectRef>
+      <a:fontRef idx="minor">
+        <a:schemeClr val="lt1"/>
+      </a:fontRef>
+    </dgm:style>
+  </dgm:styleLbl>
+  <dgm:styleLbl name="asst3">
+    <dgm:scene3d>
+      <a:camera prst="orthographicFront"/>
+      <a:lightRig rig="threePt" dir="t"/>
+    </dgm:scene3d>
+    <dgm:sp3d/>
+    <dgm:txPr/>
+    <dgm:style>
+      <a:lnRef idx="2">
+        <a:scrgbClr r="0" g="0" b="0"/>
+      </a:lnRef>
+      <a:fillRef idx="1">
+        <a:scrgbClr r="0" g="0" b="0"/>
+      </a:fillRef>
+      <a:effectRef idx="0">
+        <a:scrgbClr r="0" g="0" b="0"/>
+      </a:effectRef>
+      <a:fontRef idx="minor">
+        <a:schemeClr val="lt1"/>
+      </a:fontRef>
+    </dgm:style>
+  </dgm:styleLbl>
+  <dgm:styleLbl name="asst4">
+    <dgm:scene3d>
+      <a:camera prst="orthographicFront"/>
+      <a:lightRig rig="threePt" dir="t"/>
+    </dgm:scene3d>
+    <dgm:sp3d/>
+    <dgm:txPr/>
+    <dgm:style>
+      <a:lnRef idx="2">
+        <a:scrgbClr r="0" g="0" b="0"/>
+      </a:lnRef>
+      <a:fillRef idx="1">
+        <a:scrgbClr r="0" g="0" b="0"/>
+      </a:fillRef>
+      <a:effectRef idx="0">
+        <a:scrgbClr r="0" g="0" b="0"/>
+      </a:effectRef>
+      <a:fontRef idx="minor">
+        <a:schemeClr val="lt1"/>
+      </a:fontRef>
+    </dgm:style>
+  </dgm:styleLbl>
+  <dgm:styleLbl name="parChTrans2D1">
+    <dgm:scene3d>
+      <a:camera prst="orthographicFront"/>
+      <a:lightRig rig="threePt" dir="t"/>
+    </dgm:scene3d>
+    <dgm:sp3d/>
+    <dgm:txPr/>
+    <dgm:style>
+      <a:lnRef idx="2">
+        <a:scrgbClr r="0" g="0" b="0"/>
+      </a:lnRef>
+      <a:fillRef idx="1">
+        <a:scrgbClr r="0" g="0" b="0"/>
+      </a:fillRef>
+      <a:effectRef idx="0">
+        <a:scrgbClr r="0" g="0" b="0"/>
+      </a:effectRef>
+      <a:fontRef idx="minor">
+        <a:schemeClr val="lt1"/>
+      </a:fontRef>
+    </dgm:style>
+  </dgm:styleLbl>
+  <dgm:styleLbl name="parChTrans2D2">
+    <dgm:scene3d>
+      <a:camera prst="orthographicFront"/>
+      <a:lightRig rig="threePt" dir="t"/>
+    </dgm:scene3d>
+    <dgm:sp3d/>
+    <dgm:txPr/>
+    <dgm:style>
+      <a:lnRef idx="2">
+        <a:scrgbClr r="0" g="0" b="0"/>
+      </a:lnRef>
+      <a:fillRef idx="1">
+        <a:scrgbClr r="0" g="0" b="0"/>
+      </a:fillRef>
+      <a:effectRef idx="0">
+        <a:scrgbClr r="0" g="0" b="0"/>
+      </a:effectRef>
+      <a:fontRef idx="minor">
+        <a:schemeClr val="lt1"/>
+      </a:fontRef>
+    </dgm:style>
+  </dgm:styleLbl>
+  <dgm:styleLbl name="parChTrans2D3">
+    <dgm:scene3d>
+      <a:camera prst="orthographicFront"/>
+      <a:lightRig rig="threePt" dir="t"/>
+    </dgm:scene3d>
+    <dgm:sp3d/>
+    <dgm:txPr/>
+    <dgm:style>
+      <a:lnRef idx="2">
+        <a:scrgbClr r="0" g="0" b="0"/>
+      </a:lnRef>
+      <a:fillRef idx="1">
+        <a:scrgbClr r="0" g="0" b="0"/>
+      </a:fillRef>
+      <a:effectRef idx="0">
+        <a:scrgbClr r="0" g="0" b="0"/>
+      </a:effectRef>
+      <a:fontRef idx="minor">
+        <a:schemeClr val="lt1"/>
+      </a:fontRef>
+    </dgm:style>
+  </dgm:styleLbl>
+  <dgm:styleLbl name="parChTrans2D4">
+    <dgm:scene3d>
+      <a:camera prst="orthographicFront"/>
+      <a:lightRig rig="threePt" dir="t"/>
+    </dgm:scene3d>
+    <dgm:sp3d/>
+    <dgm:txPr/>
+    <dgm:style>
+      <a:lnRef idx="2">
+        <a:scrgbClr r="0" g="0" b="0"/>
+      </a:lnRef>
+      <a:fillRef idx="1">
+        <a:scrgbClr r="0" g="0" b="0"/>
+      </a:fillRef>
+      <a:effectRef idx="0">
+        <a:scrgbClr r="0" g="0" b="0"/>
+      </a:effectRef>
+      <a:fontRef idx="minor">
+        <a:schemeClr val="lt1"/>
+      </a:fontRef>
+    </dgm:style>
+  </dgm:styleLbl>
+  <dgm:styleLbl name="parChTrans1D1">
+    <dgm:scene3d>
+      <a:camera prst="orthographicFront"/>
+      <a:lightRig rig="threePt" dir="t"/>
+    </dgm:scene3d>
+    <dgm:sp3d/>
+    <dgm:txPr/>
+    <dgm:style>
+      <a:lnRef idx="2">
+        <a:scrgbClr r="0" g="0" b="0"/>
+      </a:lnRef>
+      <a:fillRef idx="0">
+        <a:scrgbClr r="0" g="0" b="0"/>
+      </a:fillRef>
+      <a:effectRef idx="0">
+        <a:scrgbClr r="0" g="0" b="0"/>
+      </a:effectRef>
+      <a:fontRef idx="minor"/>
+    </dgm:style>
+  </dgm:styleLbl>
+  <dgm:styleLbl name="parChTrans1D2">
+    <dgm:scene3d>
+      <a:camera prst="orthographicFront"/>
+      <a:lightRig rig="threePt" dir="t"/>
+    </dgm:scene3d>
+    <dgm:sp3d/>
+    <dgm:txPr/>
+    <dgm:style>
+      <a:lnRef idx="2">
+        <a:scrgbClr r="0" g="0" b="0"/>
+      </a:lnRef>
+      <a:fillRef idx="0">
+        <a:scrgbClr r="0" g="0" b="0"/>
+      </a:fillRef>
+      <a:effectRef idx="0">
+        <a:scrgbClr r="0" g="0" b="0"/>
+      </a:effectRef>
+      <a:fontRef idx="minor"/>
+    </dgm:style>
+  </dgm:styleLbl>
+  <dgm:styleLbl name="parChTrans1D3">
+    <dgm:scene3d>
+      <a:camera prst="orthographicFront"/>
+      <a:lightRig rig="threePt" dir="t"/>
+    </dgm:scene3d>
+    <dgm:sp3d/>
+    <dgm:txPr/>
+    <dgm:style>
+      <a:lnRef idx="2">
+        <a:scrgbClr r="0" g="0" b="0"/>
+      </a:lnRef>
+      <a:fillRef idx="0">
+        <a:scrgbClr r="0" g="0" b="0"/>
+      </a:fillRef>
+      <a:effectRef idx="0">
+        <a:scrgbClr r="0" g="0" b="0"/>
+      </a:effectRef>
+      <a:fontRef idx="minor"/>
+    </dgm:style>
+  </dgm:styleLbl>
+  <dgm:styleLbl name="parChTrans1D4">
+    <dgm:scene3d>
+      <a:camera prst="orthographicFront"/>
+      <a:lightRig rig="threePt" dir="t"/>
+    </dgm:scene3d>
+    <dgm:sp3d/>
+    <dgm:txPr/>
+    <dgm:style>
+      <a:lnRef idx="2">
+        <a:scrgbClr r="0" g="0" b="0"/>
+      </a:lnRef>
+      <a:fillRef idx="0">
+        <a:scrgbClr r="0" g="0" b="0"/>
+      </a:fillRef>
+      <a:effectRef idx="0">
+        <a:scrgbClr r="0" g="0" b="0"/>
+      </a:effectRef>
+      <a:fontRef idx="minor"/>
+    </dgm:style>
+  </dgm:styleLbl>
+  <dgm:styleLbl name="fgAcc1">
+    <dgm:scene3d>
+      <a:camera prst="orthographicFront"/>
+      <a:lightRig rig="threePt" dir="t"/>
+    </dgm:scene3d>
+    <dgm:sp3d/>
+    <dgm:txPr/>
+    <dgm:style>
+      <a:lnRef idx="2">
+        <a:scrgbClr r="0" g="0" b="0"/>
+      </a:lnRef>
+      <a:fillRef idx="1">
+        <a:scrgbClr r="0" g="0" b="0"/>
+      </a:fillRef>
+      <a:effectRef idx="0">
+        <a:scrgbClr r="0" g="0" b="0"/>
+      </a:effectRef>
+      <a:fontRef idx="minor"/>
+    </dgm:style>
+  </dgm:styleLbl>
+  <dgm:styleLbl name="conFgAcc1">
+    <dgm:scene3d>
+      <a:camera prst="orthographicFront"/>
+      <a:lightRig rig="threePt" dir="t"/>
+    </dgm:scene3d>
+    <dgm:sp3d/>
+    <dgm:txPr/>
+    <dgm:style>
+      <a:lnRef idx="2">
+        <a:scrgbClr r="0" g="0" b="0"/>
+      </a:lnRef>
+      <a:fillRef idx="1">
+        <a:scrgbClr r="0" g="0" b="0"/>
+      </a:fillRef>
+      <a:effectRef idx="0">
+        <a:scrgbClr r="0" g="0" b="0"/>
+      </a:effectRef>
+      <a:fontRef idx="minor"/>
+    </dgm:style>
+  </dgm:styleLbl>
+  <dgm:styleLbl name="alignAcc1">
+    <dgm:scene3d>
+      <a:camera prst="orthographicFront"/>
+      <a:lightRig rig="threePt" dir="t"/>
+    </dgm:scene3d>
+    <dgm:sp3d/>
+    <dgm:txPr/>
+    <dgm:style>
+      <a:lnRef idx="2">
+        <a:scrgbClr r="0" g="0" b="0"/>
+      </a:lnRef>
+      <a:fillRef idx="1">
+        <a:scrgbClr r="0" g="0" b="0"/>
+      </a:fillRef>
+      <a:effectRef idx="0">
+        <a:scrgbClr r="0" g="0" b="0"/>
+      </a:effectRef>
+      <a:fontRef idx="minor"/>
+    </dgm:style>
+  </dgm:styleLbl>
+  <dgm:styleLbl name="trAlignAcc1">
+    <dgm:scene3d>
+      <a:camera prst="orthographicFront"/>
+      <a:lightRig rig="threePt" dir="t"/>
+    </dgm:scene3d>
+    <dgm:sp3d/>
+    <dgm:txPr/>
+    <dgm:style>
+      <a:lnRef idx="1">
+        <a:scrgbClr r="0" g="0" b="0"/>
+      </a:lnRef>
+      <a:fillRef idx="1">
+        <a:scrgbClr r="0" g="0" b="0"/>
+      </a:fillRef>
+      <a:effectRef idx="0">
+        <a:scrgbClr r="0" g="0" b="0"/>
+      </a:effectRef>
+      <a:fontRef idx="minor"/>
+    </dgm:style>
+  </dgm:styleLbl>
+  <dgm:styleLbl name="bgAcc1">
+    <dgm:scene3d>
+      <a:camera prst="orthographicFront"/>
+      <a:lightRig rig="threePt" dir="t"/>
+    </dgm:scene3d>
+    <dgm:sp3d/>
+    <dgm:txPr/>
+    <dgm:style>
+      <a:lnRef idx="2">
+        <a:scrgbClr r="0" g="0" b="0"/>
+      </a:lnRef>
+      <a:fillRef idx="1">
+        <a:scrgbClr r="0" g="0" b="0"/>
+      </a:fillRef>
+      <a:effectRef idx="0">
+        <a:scrgbClr r="0" g="0" b="0"/>
+      </a:effectRef>
+      <a:fontRef idx="minor"/>
+    </dgm:style>
+  </dgm:styleLbl>
+  <dgm:styleLbl name="solidFgAcc1">
+    <dgm:scene3d>
+      <a:camera prst="orthographicFront"/>
+      <a:lightRig rig="threePt" dir="t"/>
+    </dgm:scene3d>
+    <dgm:sp3d/>
+    <dgm:txPr/>
+    <dgm:style>
+      <a:lnRef idx="2">
+        <a:scrgbClr r="0" g="0" b="0"/>
+      </a:lnRef>
+      <a:fillRef idx="1">
+        <a:scrgbClr r="0" g="0" b="0"/>
+      </a:fillRef>
+      <a:effectRef idx="0">
+        <a:scrgbClr r="0" g="0" b="0"/>
+      </a:effectRef>
+      <a:fontRef idx="minor"/>
+    </dgm:style>
+  </dgm:styleLbl>
+  <dgm:styleLbl name="solidAlignAcc1">
+    <dgm:scene3d>
+      <a:camera prst="orthographicFront"/>
+      <a:lightRig rig="threePt" dir="t"/>
+    </dgm:scene3d>
+    <dgm:sp3d/>
+    <dgm:txPr/>
+    <dgm:style>
+      <a:lnRef idx="2">
+        <a:scrgbClr r="0" g="0" b="0"/>
+      </a:lnRef>
+      <a:fillRef idx="1">
+        <a:scrgbClr r="0" g="0" b="0"/>
+      </a:fillRef>
+      <a:effectRef idx="0">
+        <a:scrgbClr r="0" g="0" b="0"/>
+      </a:effectRef>
+      <a:fontRef idx="minor"/>
+    </dgm:style>
+  </dgm:styleLbl>
+  <dgm:styleLbl name="solidBgAcc1">
+    <dgm:scene3d>
+      <a:camera prst="orthographicFront"/>
+      <a:lightRig rig="threePt" dir="t"/>
+    </dgm:scene3d>
+    <dgm:sp3d/>
+    <dgm:txPr/>
+    <dgm:style>
+      <a:lnRef idx="2">
+        <a:scrgbClr r="0" g="0" b="0"/>
+      </a:lnRef>
+      <a:fillRef idx="1">
+        <a:scrgbClr r="0" g="0" b="0"/>
+      </a:fillRef>
+      <a:effectRef idx="0">
+        <a:scrgbClr r="0" g="0" b="0"/>
+      </a:effectRef>
+      <a:fontRef idx="minor"/>
+    </dgm:style>
+  </dgm:styleLbl>
+  <dgm:styleLbl name="fgAccFollowNode1">
+    <dgm:scene3d>
+      <a:camera prst="orthographicFront"/>
+      <a:lightRig rig="threePt" dir="t"/>
+    </dgm:scene3d>
+    <dgm:sp3d/>
+    <dgm:txPr/>
+    <dgm:style>
+      <a:lnRef idx="2">
+        <a:scrgbClr r="0" g="0" b="0"/>
+      </a:lnRef>
+      <a:fillRef idx="1">
+        <a:scrgbClr r="0" g="0" b="0"/>
+      </a:fillRef>
+      <a:effectRef idx="0">
+        <a:scrgbClr r="0" g="0" b="0"/>
+      </a:effectRef>
+      <a:fontRef idx="minor"/>
+    </dgm:style>
+  </dgm:styleLbl>
+  <dgm:styleLbl name="alignAccFollowNode1">
+    <dgm:scene3d>
+      <a:camera prst="orthographicFront"/>
+      <a:lightRig rig="threePt" dir="t"/>
+    </dgm:scene3d>
+    <dgm:sp3d/>
+    <dgm:txPr/>
+    <dgm:style>
+      <a:lnRef idx="2">
+        <a:scrgbClr r="0" g="0" b="0"/>
+      </a:lnRef>
+      <a:fillRef idx="1">
+        <a:scrgbClr r="0" g="0" b="0"/>
+      </a:fillRef>
+      <a:effectRef idx="0">
+        <a:scrgbClr r="0" g="0" b="0"/>
+      </a:effectRef>
+      <a:fontRef idx="minor"/>
+    </dgm:style>
+  </dgm:styleLbl>
+  <dgm:styleLbl name="bgAccFollowNode1">
+    <dgm:scene3d>
+      <a:camera prst="orthographicFront"/>
+      <a:lightRig rig="threePt" dir="t"/>
+    </dgm:scene3d>
+    <dgm:sp3d/>
+    <dgm:txPr/>
+    <dgm:style>
+      <a:lnRef idx="2">
+        <a:scrgbClr r="0" g="0" b="0"/>
+      </a:lnRef>
+      <a:fillRef idx="1">
+        <a:scrgbClr r="0" g="0" b="0"/>
+      </a:fillRef>
+      <a:effectRef idx="0">
+        <a:scrgbClr r="0" g="0" b="0"/>
+      </a:effectRef>
+      <a:fontRef idx="minor"/>
+    </dgm:style>
+  </dgm:styleLbl>
+  <dgm:styleLbl name="fgAcc0">
+    <dgm:scene3d>
+      <a:camera prst="orthographicFront"/>
+      <a:lightRig rig="threePt" dir="t"/>
+    </dgm:scene3d>
+    <dgm:sp3d/>
+    <dgm:txPr/>
+    <dgm:style>
+      <a:lnRef idx="2">
+        <a:scrgbClr r="0" g="0" b="0"/>
+      </a:lnRef>
+      <a:fillRef idx="1">
+        <a:scrgbClr r="0" g="0" b="0"/>
+      </a:fillRef>
+      <a:effectRef idx="0">
+        <a:scrgbClr r="0" g="0" b="0"/>
+      </a:effectRef>
+      <a:fontRef idx="minor"/>
+    </dgm:style>
+  </dgm:styleLbl>
+  <dgm:styleLbl name="fgAcc2">
+    <dgm:scene3d>
+      <a:camera prst="orthographicFront"/>
+      <a:lightRig rig="threePt" dir="t"/>
+    </dgm:scene3d>
+    <dgm:sp3d/>
+    <dgm:txPr/>
+    <dgm:style>
+      <a:lnRef idx="2">
+        <a:scrgbClr r="0" g="0" b="0"/>
+      </a:lnRef>
+      <a:fillRef idx="1">
+        <a:scrgbClr r="0" g="0" b="0"/>
+      </a:fillRef>
+      <a:effectRef idx="0">
+        <a:scrgbClr r="0" g="0" b="0"/>
+      </a:effectRef>
+      <a:fontRef idx="minor"/>
+    </dgm:style>
+  </dgm:styleLbl>
+  <dgm:styleLbl name="fgAcc3">
+    <dgm:scene3d>
+      <a:camera prst="orthographicFront"/>
+      <a:lightRig rig="threePt" dir="t"/>
+    </dgm:scene3d>
+    <dgm:sp3d/>
+    <dgm:txPr/>
+    <dgm:style>
+      <a:lnRef idx="2">
+        <a:scrgbClr r="0" g="0" b="0"/>
+      </a:lnRef>
+      <a:fillRef idx="1">
+        <a:scrgbClr r="0" g="0" b="0"/>
+      </a:fillRef>
+      <a:effectRef idx="0">
+        <a:scrgbClr r="0" g="0" b="0"/>
+      </a:effectRef>
+      <a:fontRef idx="minor"/>
+    </dgm:style>
+  </dgm:styleLbl>
+  <dgm:styleLbl name="fgAcc4">
+    <dgm:scene3d>
+      <a:camera prst="orthographicFront"/>
+      <a:lightRig rig="threePt" dir="t"/>
+    </dgm:scene3d>
+    <dgm:sp3d/>
+    <dgm:txPr/>
+    <dgm:style>
+      <a:lnRef idx="2">
+        <a:scrgbClr r="0" g="0" b="0"/>
+      </a:lnRef>
+      <a:fillRef idx="1">
+        <a:scrgbClr r="0" g="0" b="0"/>
+      </a:fillRef>
+      <a:effectRef idx="0">
+        <a:scrgbClr r="0" g="0" b="0"/>
+      </a:effectRef>
+      <a:fontRef idx="minor"/>
+    </dgm:style>
+  </dgm:styleLbl>
+  <dgm:styleLbl name="bgShp">
+    <dgm:scene3d>
+      <a:camera prst="orthographicFront"/>
+      <a:lightRig rig="threePt" dir="t"/>
+    </dgm:scene3d>
+    <dgm:sp3d/>
+    <dgm:txPr/>
+    <dgm:style>
+      <a:lnRef idx="0">
+        <a:scrgbClr r="0" g="0" b="0"/>
+      </a:lnRef>
+      <a:fillRef idx="1">
+        <a:scrgbClr r="0" g="0" b="0"/>
+      </a:fillRef>
+      <a:effectRef idx="0">
+        <a:scrgbClr r="0" g="0" b="0"/>
+      </a:effectRef>
+      <a:fontRef idx="minor"/>
+    </dgm:style>
+  </dgm:styleLbl>
+  <dgm:styleLbl name="dkBgShp">
+    <dgm:scene3d>
+      <a:camera prst="orthographicFront"/>
+      <a:lightRig rig="threePt" dir="t"/>
+    </dgm:scene3d>
+    <dgm:sp3d/>
+    <dgm:txPr/>
+    <dgm:style>
+      <a:lnRef idx="0">
+        <a:scrgbClr r="0" g="0" b="0"/>
+      </a:lnRef>
+      <a:fillRef idx="1">
+        <a:scrgbClr r="0" g="0" b="0"/>
+      </a:fillRef>
+      <a:effectRef idx="0">
+        <a:scrgbClr r="0" g="0" b="0"/>
+      </a:effectRef>
+      <a:fontRef idx="minor"/>
+    </dgm:style>
+  </dgm:styleLbl>
+  <dgm:styleLbl name="trBgShp">
+    <dgm:scene3d>
+      <a:camera prst="orthographicFront"/>
+      <a:lightRig rig="threePt" dir="t"/>
+    </dgm:scene3d>
+    <dgm:sp3d/>
+    <dgm:txPr/>
+    <dgm:style>
+      <a:lnRef idx="0">
+        <a:scrgbClr r="0" g="0" b="0"/>
+      </a:lnRef>
+      <a:fillRef idx="1">
+        <a:scrgbClr r="0" g="0" b="0"/>
+      </a:fillRef>
+      <a:effectRef idx="0">
+        <a:scrgbClr r="0" g="0" b="0"/>
+      </a:effectRef>
+      <a:fontRef idx="minor"/>
+    </dgm:style>
+  </dgm:styleLbl>
+  <dgm:styleLbl name="fgShp">
+    <dgm:scene3d>
+      <a:camera prst="orthographicFront"/>
+      <a:lightRig rig="threePt" dir="t"/>
+    </dgm:scene3d>
+    <dgm:sp3d/>
+    <dgm:txPr/>
+    <dgm:style>
+      <a:lnRef idx="2">
+        <a:scrgbClr r="0" g="0" b="0"/>
+      </a:lnRef>
+      <a:fillRef idx="1">
+        <a:scrgbClr r="0" g="0" b="0"/>
+      </a:fillRef>
+      <a:effectRef idx="0">
+        <a:scrgbClr r="0" g="0" b="0"/>
+      </a:effectRef>
+      <a:fontRef idx="minor"/>
+    </dgm:style>
+  </dgm:styleLbl>
+  <dgm:styleLbl name="revTx">
+    <dgm:scene3d>
+      <a:camera prst="orthographicFront"/>
+      <a:lightRig rig="threePt" dir="t"/>
+    </dgm:scene3d>
+    <dgm:sp3d/>
+    <dgm:txPr/>
+    <dgm:style>
+      <a:lnRef idx="0">
+        <a:scrgbClr r="0" g="0" b="0"/>
+      </a:lnRef>
+      <a:fillRef idx="0">
+        <a:scrgbClr r="0" g="0" b="0"/>
+      </a:fillRef>
+      <a:effectRef idx="0">
+        <a:scrgbClr r="0" g="0" b="0"/>
+      </a:effectRef>
+      <a:fontRef idx="minor"/>
+    </dgm:style>
+  </dgm:styleLbl>
+</dgm:styleDef>
+</file>
+
 <file path=ppt/slideLayouts/slideLayout1.xml><?xml version="1.0" encoding="utf-8"?>
 <p:sldLayout xmlns:a="http://schemas.openxmlformats.org/drawingml/2006/main" xmlns:r="http://schemas.openxmlformats.org/officeDocument/2006/relationships" xmlns:p="http://schemas.openxmlformats.org/presentationml/2006/main" type="title" preserve="1">
   <p:cSld name="Title Slide">
@@ -245,7 +2894,7 @@
           <a:p>
             <a:fld id="{16D6D402-CBD3-401E-83DB-A9CD30E1E4DA}" type="datetimeFigureOut">
               <a:rPr lang="en-US" smtClean="0"/>
-              <a:t>6/25/2014</a:t>
+              <a:t>6/26/2014</a:t>
             </a:fld>
             <a:endParaRPr lang="en-US"/>
           </a:p>
@@ -415,7 +3064,7 @@
           <a:p>
             <a:fld id="{16D6D402-CBD3-401E-83DB-A9CD30E1E4DA}" type="datetimeFigureOut">
               <a:rPr lang="en-US" smtClean="0"/>
-              <a:t>6/25/2014</a:t>
+              <a:t>6/26/2014</a:t>
             </a:fld>
             <a:endParaRPr lang="en-US"/>
           </a:p>
@@ -595,7 +3244,7 @@
           <a:p>
             <a:fld id="{16D6D402-CBD3-401E-83DB-A9CD30E1E4DA}" type="datetimeFigureOut">
               <a:rPr lang="en-US" smtClean="0"/>
-              <a:t>6/25/2014</a:t>
+              <a:t>6/26/2014</a:t>
             </a:fld>
             <a:endParaRPr lang="en-US"/>
           </a:p>
@@ -765,7 +3414,7 @@
           <a:p>
             <a:fld id="{16D6D402-CBD3-401E-83DB-A9CD30E1E4DA}" type="datetimeFigureOut">
               <a:rPr lang="en-US" smtClean="0"/>
-              <a:t>6/25/2014</a:t>
+              <a:t>6/26/2014</a:t>
             </a:fld>
             <a:endParaRPr lang="en-US"/>
           </a:p>
@@ -1011,7 +3660,7 @@
           <a:p>
             <a:fld id="{16D6D402-CBD3-401E-83DB-A9CD30E1E4DA}" type="datetimeFigureOut">
               <a:rPr lang="en-US" smtClean="0"/>
-              <a:t>6/25/2014</a:t>
+              <a:t>6/26/2014</a:t>
             </a:fld>
             <a:endParaRPr lang="en-US"/>
           </a:p>
@@ -1243,7 +3892,7 @@
           <a:p>
             <a:fld id="{16D6D402-CBD3-401E-83DB-A9CD30E1E4DA}" type="datetimeFigureOut">
               <a:rPr lang="en-US" smtClean="0"/>
-              <a:t>6/25/2014</a:t>
+              <a:t>6/26/2014</a:t>
             </a:fld>
             <a:endParaRPr lang="en-US"/>
           </a:p>
@@ -1610,7 +4259,7 @@
           <a:p>
             <a:fld id="{16D6D402-CBD3-401E-83DB-A9CD30E1E4DA}" type="datetimeFigureOut">
               <a:rPr lang="en-US" smtClean="0"/>
-              <a:t>6/25/2014</a:t>
+              <a:t>6/26/2014</a:t>
             </a:fld>
             <a:endParaRPr lang="en-US"/>
           </a:p>
@@ -1728,7 +4377,7 @@
           <a:p>
             <a:fld id="{16D6D402-CBD3-401E-83DB-A9CD30E1E4DA}" type="datetimeFigureOut">
               <a:rPr lang="en-US" smtClean="0"/>
-              <a:t>6/25/2014</a:t>
+              <a:t>6/26/2014</a:t>
             </a:fld>
             <a:endParaRPr lang="en-US"/>
           </a:p>
@@ -1823,7 +4472,7 @@
           <a:p>
             <a:fld id="{16D6D402-CBD3-401E-83DB-A9CD30E1E4DA}" type="datetimeFigureOut">
               <a:rPr lang="en-US" smtClean="0"/>
-              <a:t>6/25/2014</a:t>
+              <a:t>6/26/2014</a:t>
             </a:fld>
             <a:endParaRPr lang="en-US"/>
           </a:p>
@@ -2100,7 +4749,7 @@
           <a:p>
             <a:fld id="{16D6D402-CBD3-401E-83DB-A9CD30E1E4DA}" type="datetimeFigureOut">
               <a:rPr lang="en-US" smtClean="0"/>
-              <a:t>6/25/2014</a:t>
+              <a:t>6/26/2014</a:t>
             </a:fld>
             <a:endParaRPr lang="en-US"/>
           </a:p>
@@ -2353,7 +5002,7 @@
           <a:p>
             <a:fld id="{16D6D402-CBD3-401E-83DB-A9CD30E1E4DA}" type="datetimeFigureOut">
               <a:rPr lang="en-US" smtClean="0"/>
-              <a:t>6/25/2014</a:t>
+              <a:t>6/26/2014</a:t>
             </a:fld>
             <a:endParaRPr lang="en-US"/>
           </a:p>
@@ -2566,7 +5215,7 @@
           <a:p>
             <a:fld id="{16D6D402-CBD3-401E-83DB-A9CD30E1E4DA}" type="datetimeFigureOut">
               <a:rPr lang="en-US" smtClean="0"/>
-              <a:t>6/25/2014</a:t>
+              <a:t>6/26/2014</a:t>
             </a:fld>
             <a:endParaRPr lang="en-US"/>
           </a:p>
@@ -3270,7 +5919,7 @@
         </p:blipFill>
         <p:spPr>
           <a:xfrm>
-            <a:off x="608995" y="606138"/>
+            <a:off x="785641" y="3515593"/>
             <a:ext cx="4877223" cy="597460"/>
           </a:xfrm>
           <a:prstGeom prst="rect">
@@ -3278,10 +5927,62 @@
           </a:prstGeom>
         </p:spPr>
       </p:pic>
+      <p:graphicFrame>
+        <p:nvGraphicFramePr>
+          <p:cNvPr id="7" name="Diagram 6"/>
+          <p:cNvGraphicFramePr/>
+          <p:nvPr>
+            <p:extLst>
+              <p:ext uri="{D42A27DB-BD31-4B8C-83A1-F6EECF244321}">
+                <p14:modId xmlns:p14="http://schemas.microsoft.com/office/powerpoint/2010/main" val="635194240"/>
+              </p:ext>
+            </p:extLst>
+          </p:nvPr>
+        </p:nvGraphicFramePr>
+        <p:xfrm>
+          <a:off x="2050853" y="97498"/>
+          <a:ext cx="8128000" cy="1278815"/>
+        </p:xfrm>
+        <a:graphic>
+          <a:graphicData uri="http://schemas.openxmlformats.org/drawingml/2006/diagram">
+            <dgm:relIds xmlns:dgm="http://schemas.openxmlformats.org/drawingml/2006/diagram" xmlns:r="http://schemas.openxmlformats.org/officeDocument/2006/relationships" r:dm="rId5" r:lo="rId6" r:qs="rId7" r:cs="rId8"/>
+          </a:graphicData>
+        </a:graphic>
+      </p:graphicFrame>
     </p:spTree>
     <p:extLst>
       <p:ext uri="{BB962C8B-B14F-4D97-AF65-F5344CB8AC3E}">
         <p14:creationId xmlns:p14="http://schemas.microsoft.com/office/powerpoint/2010/main" val="803648027"/>
+      </p:ext>
+    </p:extLst>
+  </p:cSld>
+  <p:clrMapOvr>
+    <a:masterClrMapping/>
+  </p:clrMapOvr>
+</p:sld>
+</file>
+
+<file path=ppt/slides/slide4.xml><?xml version="1.0" encoding="utf-8"?>
+<p:sld xmlns:a="http://schemas.openxmlformats.org/drawingml/2006/main" xmlns:r="http://schemas.openxmlformats.org/officeDocument/2006/relationships" xmlns:p="http://schemas.openxmlformats.org/presentationml/2006/main">
+  <p:cSld>
+    <p:spTree>
+      <p:nvGrpSpPr>
+        <p:cNvPr id="1" name=""/>
+        <p:cNvGrpSpPr/>
+        <p:nvPr/>
+      </p:nvGrpSpPr>
+      <p:grpSpPr>
+        <a:xfrm>
+          <a:off x="0" y="0"/>
+          <a:ext cx="0" cy="0"/>
+          <a:chOff x="0" y="0"/>
+          <a:chExt cx="0" cy="0"/>
+        </a:xfrm>
+      </p:grpSpPr>
+    </p:spTree>
+    <p:extLst>
+      <p:ext uri="{BB962C8B-B14F-4D97-AF65-F5344CB8AC3E}">
+        <p14:creationId xmlns:p14="http://schemas.microsoft.com/office/powerpoint/2010/main" val="1283173238"/>
       </p:ext>
     </p:extLst>
   </p:cSld>

--- a/netconf2014-sayedha-deployment.pptx
+++ b/netconf2014-sayedha-deployment.pptx
@@ -1057,6 +1057,13 @@
         </dgm:presLayoutVars>
       </dgm:prSet>
       <dgm:spPr/>
+      <dgm:t>
+        <a:bodyPr/>
+        <a:lstStyle/>
+        <a:p>
+          <a:endParaRPr lang="en-US"/>
+        </a:p>
+      </dgm:t>
     </dgm:pt>
     <dgm:pt modelId="{7796D102-CA7D-407F-850F-764A93B685ED}" type="pres">
       <dgm:prSet presAssocID="{DE9565C6-1F9E-4724-BD57-1C287AD5FAAA}" presName="parTxOnlySpace" presStyleCnt="0"/>
@@ -1092,6 +1099,13 @@
         </dgm:presLayoutVars>
       </dgm:prSet>
       <dgm:spPr/>
+      <dgm:t>
+        <a:bodyPr/>
+        <a:lstStyle/>
+        <a:p>
+          <a:endParaRPr lang="en-US"/>
+        </a:p>
+      </dgm:t>
     </dgm:pt>
   </dgm:ptLst>
   <dgm:cxnLst>
@@ -1130,318 +1144,6 @@
       <dsp:cNvGrpSpPr/>
     </dsp:nvGrpSpPr>
     <dsp:grpSpPr/>
-    <dsp:sp modelId="{7464D451-65F7-4687-A042-364D3D027CBF}">
-      <dsp:nvSpPr>
-        <dsp:cNvPr id="0" name=""/>
-        <dsp:cNvSpPr/>
-      </dsp:nvSpPr>
-      <dsp:spPr>
-        <a:xfrm>
-          <a:off x="3770" y="200463"/>
-          <a:ext cx="2194718" cy="877887"/>
-        </a:xfrm>
-        <a:prstGeom prst="chevron">
-          <a:avLst/>
-        </a:prstGeom>
-        <a:solidFill>
-          <a:schemeClr val="accent1">
-            <a:hueOff val="0"/>
-            <a:satOff val="0"/>
-            <a:lumOff val="0"/>
-            <a:alphaOff val="0"/>
-          </a:schemeClr>
-        </a:solidFill>
-        <a:ln w="12700" cap="flat" cmpd="sng" algn="ctr">
-          <a:solidFill>
-            <a:schemeClr val="lt1">
-              <a:hueOff val="0"/>
-              <a:satOff val="0"/>
-              <a:lumOff val="0"/>
-              <a:alphaOff val="0"/>
-            </a:schemeClr>
-          </a:solidFill>
-          <a:prstDash val="solid"/>
-          <a:miter lim="800000"/>
-        </a:ln>
-        <a:effectLst/>
-      </dsp:spPr>
-      <dsp:style>
-        <a:lnRef idx="2">
-          <a:scrgbClr r="0" g="0" b="0"/>
-        </a:lnRef>
-        <a:fillRef idx="1">
-          <a:scrgbClr r="0" g="0" b="0"/>
-        </a:fillRef>
-        <a:effectRef idx="0">
-          <a:scrgbClr r="0" g="0" b="0"/>
-        </a:effectRef>
-        <a:fontRef idx="minor">
-          <a:schemeClr val="lt1"/>
-        </a:fontRef>
-      </dsp:style>
-      <dsp:txBody>
-        <a:bodyPr spcFirstLastPara="0" vert="horz" wrap="square" lIns="88011" tIns="29337" rIns="29337" bIns="29337" numCol="1" spcCol="1270" anchor="ctr" anchorCtr="0">
-          <a:noAutofit/>
-        </a:bodyPr>
-        <a:lstStyle/>
-        <a:p>
-          <a:pPr lvl="0" algn="ctr" defTabSz="977900">
-            <a:lnSpc>
-              <a:spcPct val="90000"/>
-            </a:lnSpc>
-            <a:spcBef>
-              <a:spcPct val="0"/>
-            </a:spcBef>
-            <a:spcAft>
-              <a:spcPct val="35000"/>
-            </a:spcAft>
-          </a:pPr>
-          <a:r>
-            <a:rPr lang="en-US" sz="2200" kern="1200" dirty="0" smtClean="0"/>
-            <a:t>Build project</a:t>
-          </a:r>
-          <a:endParaRPr lang="en-US" sz="2200" kern="1200" dirty="0"/>
-        </a:p>
-      </dsp:txBody>
-      <dsp:txXfrm>
-        <a:off x="442714" y="200463"/>
-        <a:ext cx="1316831" cy="877887"/>
-      </dsp:txXfrm>
-    </dsp:sp>
-    <dsp:sp modelId="{127E17C8-AC37-4E28-9786-BF485DEC18ED}">
-      <dsp:nvSpPr>
-        <dsp:cNvPr id="0" name=""/>
-        <dsp:cNvSpPr/>
-      </dsp:nvSpPr>
-      <dsp:spPr>
-        <a:xfrm>
-          <a:off x="1979017" y="200463"/>
-          <a:ext cx="2194718" cy="877887"/>
-        </a:xfrm>
-        <a:prstGeom prst="chevron">
-          <a:avLst/>
-        </a:prstGeom>
-        <a:solidFill>
-          <a:schemeClr val="accent1">
-            <a:hueOff val="0"/>
-            <a:satOff val="0"/>
-            <a:lumOff val="0"/>
-            <a:alphaOff val="0"/>
-          </a:schemeClr>
-        </a:solidFill>
-        <a:ln w="12700" cap="flat" cmpd="sng" algn="ctr">
-          <a:solidFill>
-            <a:schemeClr val="lt1">
-              <a:hueOff val="0"/>
-              <a:satOff val="0"/>
-              <a:lumOff val="0"/>
-              <a:alphaOff val="0"/>
-            </a:schemeClr>
-          </a:solidFill>
-          <a:prstDash val="solid"/>
-          <a:miter lim="800000"/>
-        </a:ln>
-        <a:effectLst/>
-      </dsp:spPr>
-      <dsp:style>
-        <a:lnRef idx="2">
-          <a:scrgbClr r="0" g="0" b="0"/>
-        </a:lnRef>
-        <a:fillRef idx="1">
-          <a:scrgbClr r="0" g="0" b="0"/>
-        </a:fillRef>
-        <a:effectRef idx="0">
-          <a:scrgbClr r="0" g="0" b="0"/>
-        </a:effectRef>
-        <a:fontRef idx="minor">
-          <a:schemeClr val="lt1"/>
-        </a:fontRef>
-      </dsp:style>
-      <dsp:txBody>
-        <a:bodyPr spcFirstLastPara="0" vert="horz" wrap="square" lIns="88011" tIns="29337" rIns="29337" bIns="29337" numCol="1" spcCol="1270" anchor="ctr" anchorCtr="0">
-          <a:noAutofit/>
-        </a:bodyPr>
-        <a:lstStyle/>
-        <a:p>
-          <a:pPr lvl="0" algn="ctr" defTabSz="977900">
-            <a:lnSpc>
-              <a:spcPct val="90000"/>
-            </a:lnSpc>
-            <a:spcBef>
-              <a:spcPct val="0"/>
-            </a:spcBef>
-            <a:spcAft>
-              <a:spcPct val="35000"/>
-            </a:spcAft>
-          </a:pPr>
-          <a:r>
-            <a:rPr lang="en-US" sz="2200" kern="1200" dirty="0" smtClean="0"/>
-            <a:t>Gather files</a:t>
-          </a:r>
-          <a:endParaRPr lang="en-US" sz="2200" kern="1200" dirty="0"/>
-        </a:p>
-      </dsp:txBody>
-      <dsp:txXfrm>
-        <a:off x="2417961" y="200463"/>
-        <a:ext cx="1316831" cy="877887"/>
-      </dsp:txXfrm>
-    </dsp:sp>
-    <dsp:sp modelId="{8E205F81-76A3-4674-82A5-9F107FD5B672}">
-      <dsp:nvSpPr>
-        <dsp:cNvPr id="0" name=""/>
-        <dsp:cNvSpPr/>
-      </dsp:nvSpPr>
-      <dsp:spPr>
-        <a:xfrm>
-          <a:off x="3954264" y="200463"/>
-          <a:ext cx="2194718" cy="877887"/>
-        </a:xfrm>
-        <a:prstGeom prst="chevron">
-          <a:avLst/>
-        </a:prstGeom>
-        <a:solidFill>
-          <a:schemeClr val="accent1">
-            <a:hueOff val="0"/>
-            <a:satOff val="0"/>
-            <a:lumOff val="0"/>
-            <a:alphaOff val="0"/>
-          </a:schemeClr>
-        </a:solidFill>
-        <a:ln w="12700" cap="flat" cmpd="sng" algn="ctr">
-          <a:solidFill>
-            <a:schemeClr val="lt1">
-              <a:hueOff val="0"/>
-              <a:satOff val="0"/>
-              <a:lumOff val="0"/>
-              <a:alphaOff val="0"/>
-            </a:schemeClr>
-          </a:solidFill>
-          <a:prstDash val="solid"/>
-          <a:miter lim="800000"/>
-        </a:ln>
-        <a:effectLst/>
-      </dsp:spPr>
-      <dsp:style>
-        <a:lnRef idx="2">
-          <a:scrgbClr r="0" g="0" b="0"/>
-        </a:lnRef>
-        <a:fillRef idx="1">
-          <a:scrgbClr r="0" g="0" b="0"/>
-        </a:fillRef>
-        <a:effectRef idx="0">
-          <a:scrgbClr r="0" g="0" b="0"/>
-        </a:effectRef>
-        <a:fontRef idx="minor">
-          <a:schemeClr val="lt1"/>
-        </a:fontRef>
-      </dsp:style>
-      <dsp:txBody>
-        <a:bodyPr spcFirstLastPara="0" vert="horz" wrap="square" lIns="88011" tIns="29337" rIns="29337" bIns="29337" numCol="1" spcCol="1270" anchor="ctr" anchorCtr="0">
-          <a:noAutofit/>
-        </a:bodyPr>
-        <a:lstStyle/>
-        <a:p>
-          <a:pPr lvl="0" algn="ctr" defTabSz="977900">
-            <a:lnSpc>
-              <a:spcPct val="90000"/>
-            </a:lnSpc>
-            <a:spcBef>
-              <a:spcPct val="0"/>
-            </a:spcBef>
-            <a:spcAft>
-              <a:spcPct val="35000"/>
-            </a:spcAft>
-          </a:pPr>
-          <a:r>
-            <a:rPr lang="en-US" sz="2200" kern="1200" dirty="0" smtClean="0"/>
-            <a:t>Transform files</a:t>
-          </a:r>
-          <a:endParaRPr lang="en-US" sz="2200" kern="1200" dirty="0"/>
-        </a:p>
-      </dsp:txBody>
-      <dsp:txXfrm>
-        <a:off x="4393208" y="200463"/>
-        <a:ext cx="1316831" cy="877887"/>
-      </dsp:txXfrm>
-    </dsp:sp>
-    <dsp:sp modelId="{98BC3CEB-2D2A-46E2-B6CE-1B8AA474D756}">
-      <dsp:nvSpPr>
-        <dsp:cNvPr id="0" name=""/>
-        <dsp:cNvSpPr/>
-      </dsp:nvSpPr>
-      <dsp:spPr>
-        <a:xfrm>
-          <a:off x="5929510" y="200463"/>
-          <a:ext cx="2194718" cy="877887"/>
-        </a:xfrm>
-        <a:prstGeom prst="chevron">
-          <a:avLst/>
-        </a:prstGeom>
-        <a:solidFill>
-          <a:schemeClr val="accent1">
-            <a:hueOff val="0"/>
-            <a:satOff val="0"/>
-            <a:lumOff val="0"/>
-            <a:alphaOff val="0"/>
-          </a:schemeClr>
-        </a:solidFill>
-        <a:ln w="12700" cap="flat" cmpd="sng" algn="ctr">
-          <a:solidFill>
-            <a:schemeClr val="lt1">
-              <a:hueOff val="0"/>
-              <a:satOff val="0"/>
-              <a:lumOff val="0"/>
-              <a:alphaOff val="0"/>
-            </a:schemeClr>
-          </a:solidFill>
-          <a:prstDash val="solid"/>
-          <a:miter lim="800000"/>
-        </a:ln>
-        <a:effectLst/>
-      </dsp:spPr>
-      <dsp:style>
-        <a:lnRef idx="2">
-          <a:scrgbClr r="0" g="0" b="0"/>
-        </a:lnRef>
-        <a:fillRef idx="1">
-          <a:scrgbClr r="0" g="0" b="0"/>
-        </a:fillRef>
-        <a:effectRef idx="0">
-          <a:scrgbClr r="0" g="0" b="0"/>
-        </a:effectRef>
-        <a:fontRef idx="minor">
-          <a:schemeClr val="lt1"/>
-        </a:fontRef>
-      </dsp:style>
-      <dsp:txBody>
-        <a:bodyPr spcFirstLastPara="0" vert="horz" wrap="square" lIns="88011" tIns="29337" rIns="29337" bIns="29337" numCol="1" spcCol="1270" anchor="ctr" anchorCtr="0">
-          <a:noAutofit/>
-        </a:bodyPr>
-        <a:lstStyle/>
-        <a:p>
-          <a:pPr lvl="0" algn="ctr" defTabSz="977900">
-            <a:lnSpc>
-              <a:spcPct val="90000"/>
-            </a:lnSpc>
-            <a:spcBef>
-              <a:spcPct val="0"/>
-            </a:spcBef>
-            <a:spcAft>
-              <a:spcPct val="35000"/>
-            </a:spcAft>
-          </a:pPr>
-          <a:r>
-            <a:rPr lang="en-US" sz="2200" kern="1200" dirty="0" smtClean="0"/>
-            <a:t>Publish</a:t>
-          </a:r>
-          <a:endParaRPr lang="en-US" sz="2200" kern="1200" dirty="0"/>
-        </a:p>
-      </dsp:txBody>
-      <dsp:txXfrm>
-        <a:off x="6368454" y="200463"/>
-        <a:ext cx="1316831" cy="877887"/>
-      </dsp:txXfrm>
-    </dsp:sp>
   </dsp:spTree>
 </dsp:drawing>
 </file>
@@ -5798,7 +5500,44 @@
               <a:rPr lang="en-US" dirty="0" smtClean="0">
                 <a:hlinkClick r:id="rId4"/>
               </a:rPr>
-              <a:t>http://sedodream.com</a:t>
+              <a:t>http</a:t>
+            </a:r>
+            <a:r>
+              <a:rPr lang="en-US" smtClean="0">
+                <a:hlinkClick r:id="rId4"/>
+              </a:rPr>
+              <a:t>://</a:t>
+            </a:r>
+            <a:r>
+              <a:rPr lang="en-US" smtClean="0">
+                <a:hlinkClick r:id="rId4"/>
+              </a:rPr>
+              <a:t>sedodream.com</a:t>
+            </a:r>
+            <a:endParaRPr lang="en-US" smtClean="0"/>
+          </a:p>
+          <a:p>
+            <a:r>
+              <a:rPr lang="en-US">
+                <a:hlinkClick r:id="rId5"/>
+              </a:rPr>
+              <a:t>http</a:t>
+            </a:r>
+            <a:r>
+              <a:rPr lang="en-US">
+                <a:hlinkClick r:id="rId5"/>
+              </a:rPr>
+              <a:t>://</a:t>
+            </a:r>
+            <a:r>
+              <a:rPr lang="en-US" smtClean="0">
+                <a:hlinkClick r:id="rId5"/>
+              </a:rPr>
+              <a:t>www.asp.net/mvc/tutorials/deployment/visual-studio-web-deployment/command-line-deployment</a:t>
+            </a:r>
+            <a:r>
+              <a:rPr lang="en-US" smtClean="0"/>
+              <a:t> </a:t>
             </a:r>
             <a:endParaRPr lang="en-US" dirty="0" smtClean="0"/>
           </a:p>
